--- a/_posts/does-anyone-really-understand-digital-transformation-not-according-to-research/images/images.pptx
+++ b/_posts/does-anyone-really-understand-digital-transformation-not-according-to-research/images/images.pptx
@@ -5,12 +5,11 @@
     <p:sldMasterId id="2147483648" r:id="rId1"/>
   </p:sldMasterIdLst>
   <p:notesMasterIdLst>
-    <p:notesMasterId r:id="rId5"/>
+    <p:notesMasterId r:id="rId4"/>
   </p:notesMasterIdLst>
   <p:sldIdLst>
-    <p:sldId id="272" r:id="rId2"/>
-    <p:sldId id="274" r:id="rId3"/>
-    <p:sldId id="273" r:id="rId4"/>
+    <p:sldId id="268" r:id="rId2"/>
+    <p:sldId id="269" r:id="rId3"/>
   </p:sldIdLst>
   <p:sldSz cx="9144000" cy="6858000" type="screen4x3"/>
   <p:notesSz cx="6858000" cy="9144000"/>
@@ -210,7 +209,7 @@
           <a:p>
             <a:fld id="{62924530-CF84-1B40-843A-DCBB2D2C09C6}" type="datetimeFigureOut">
               <a:rPr lang="en-US" smtClean="0"/>
-              <a:t>1/26/17</a:t>
+              <a:t>2/6/17</a:t>
             </a:fld>
             <a:endParaRPr lang="en-US" dirty="0"/>
           </a:p>
@@ -659,7 +658,7 @@
           <a:p>
             <a:fld id="{32612CC4-9DB0-CC43-B1FC-8D75BA765907}" type="datetimeFigureOut">
               <a:rPr lang="en-US" smtClean="0"/>
-              <a:t>1/26/17</a:t>
+              <a:t>2/6/17</a:t>
             </a:fld>
             <a:endParaRPr lang="en-US" dirty="0"/>
           </a:p>
@@ -829,7 +828,7 @@
           <a:p>
             <a:fld id="{32612CC4-9DB0-CC43-B1FC-8D75BA765907}" type="datetimeFigureOut">
               <a:rPr lang="en-US" smtClean="0"/>
-              <a:t>1/26/17</a:t>
+              <a:t>2/6/17</a:t>
             </a:fld>
             <a:endParaRPr lang="en-US" dirty="0"/>
           </a:p>
@@ -1009,7 +1008,7 @@
           <a:p>
             <a:fld id="{32612CC4-9DB0-CC43-B1FC-8D75BA765907}" type="datetimeFigureOut">
               <a:rPr lang="en-US" smtClean="0"/>
-              <a:t>1/26/17</a:t>
+              <a:t>2/6/17</a:t>
             </a:fld>
             <a:endParaRPr lang="en-US" dirty="0"/>
           </a:p>
@@ -1179,7 +1178,7 @@
           <a:p>
             <a:fld id="{32612CC4-9DB0-CC43-B1FC-8D75BA765907}" type="datetimeFigureOut">
               <a:rPr lang="en-US" smtClean="0"/>
-              <a:t>1/26/17</a:t>
+              <a:t>2/6/17</a:t>
             </a:fld>
             <a:endParaRPr lang="en-US" dirty="0"/>
           </a:p>
@@ -1425,7 +1424,7 @@
           <a:p>
             <a:fld id="{32612CC4-9DB0-CC43-B1FC-8D75BA765907}" type="datetimeFigureOut">
               <a:rPr lang="en-US" smtClean="0"/>
-              <a:t>1/26/17</a:t>
+              <a:t>2/6/17</a:t>
             </a:fld>
             <a:endParaRPr lang="en-US" dirty="0"/>
           </a:p>
@@ -1713,7 +1712,7 @@
           <a:p>
             <a:fld id="{32612CC4-9DB0-CC43-B1FC-8D75BA765907}" type="datetimeFigureOut">
               <a:rPr lang="en-US" smtClean="0"/>
-              <a:t>1/26/17</a:t>
+              <a:t>2/6/17</a:t>
             </a:fld>
             <a:endParaRPr lang="en-US" dirty="0"/>
           </a:p>
@@ -2135,7 +2134,7 @@
           <a:p>
             <a:fld id="{32612CC4-9DB0-CC43-B1FC-8D75BA765907}" type="datetimeFigureOut">
               <a:rPr lang="en-US" smtClean="0"/>
-              <a:t>1/26/17</a:t>
+              <a:t>2/6/17</a:t>
             </a:fld>
             <a:endParaRPr lang="en-US" dirty="0"/>
           </a:p>
@@ -2253,7 +2252,7 @@
           <a:p>
             <a:fld id="{32612CC4-9DB0-CC43-B1FC-8D75BA765907}" type="datetimeFigureOut">
               <a:rPr lang="en-US" smtClean="0"/>
-              <a:t>1/26/17</a:t>
+              <a:t>2/6/17</a:t>
             </a:fld>
             <a:endParaRPr lang="en-US" dirty="0"/>
           </a:p>
@@ -2348,7 +2347,7 @@
           <a:p>
             <a:fld id="{32612CC4-9DB0-CC43-B1FC-8D75BA765907}" type="datetimeFigureOut">
               <a:rPr lang="en-US" smtClean="0"/>
-              <a:t>1/26/17</a:t>
+              <a:t>2/6/17</a:t>
             </a:fld>
             <a:endParaRPr lang="en-US" dirty="0"/>
           </a:p>
@@ -2625,7 +2624,7 @@
           <a:p>
             <a:fld id="{32612CC4-9DB0-CC43-B1FC-8D75BA765907}" type="datetimeFigureOut">
               <a:rPr lang="en-US" smtClean="0"/>
-              <a:t>1/26/17</a:t>
+              <a:t>2/6/17</a:t>
             </a:fld>
             <a:endParaRPr lang="en-US" dirty="0"/>
           </a:p>
@@ -2878,7 +2877,7 @@
           <a:p>
             <a:fld id="{32612CC4-9DB0-CC43-B1FC-8D75BA765907}" type="datetimeFigureOut">
               <a:rPr lang="en-US" smtClean="0"/>
-              <a:t>1/26/17</a:t>
+              <a:t>2/6/17</a:t>
             </a:fld>
             <a:endParaRPr lang="en-US" dirty="0"/>
           </a:p>
@@ -3091,7 +3090,7 @@
           <a:p>
             <a:fld id="{32612CC4-9DB0-CC43-B1FC-8D75BA765907}" type="datetimeFigureOut">
               <a:rPr lang="en-US" smtClean="0"/>
-              <a:t>1/26/17</a:t>
+              <a:t>2/6/17</a:t>
             </a:fld>
             <a:endParaRPr lang="en-US" dirty="0"/>
           </a:p>
@@ -3505,326 +3504,21 @@
       </p:grpSpPr>
       <p:sp>
         <p:nvSpPr>
-          <p:cNvPr id="13" name="Rectangle 12"/>
+          <p:cNvPr id="23" name="Rectangle 22"/>
           <p:cNvSpPr/>
           <p:nvPr/>
         </p:nvSpPr>
         <p:spPr>
           <a:xfrm>
-            <a:off x="900829" y="1576192"/>
-            <a:ext cx="1613515" cy="351309"/>
+            <a:off x="1621535" y="2084832"/>
+            <a:ext cx="2499360" cy="719296"/>
           </a:xfrm>
           <a:prstGeom prst="rect">
             <a:avLst/>
           </a:prstGeom>
           <a:solidFill>
-            <a:srgbClr val="C0504D"/>
-          </a:solidFill>
-          <a:ln>
-            <a:noFill/>
-          </a:ln>
-          <a:effectLst/>
-        </p:spPr>
-        <p:style>
-          <a:lnRef idx="3">
-            <a:schemeClr val="lt1"/>
-          </a:lnRef>
-          <a:fillRef idx="1">
-            <a:schemeClr val="accent3"/>
-          </a:fillRef>
-          <a:effectRef idx="1">
-            <a:schemeClr val="accent3"/>
-          </a:effectRef>
-          <a:fontRef idx="minor">
-            <a:schemeClr val="lt1"/>
-          </a:fontRef>
-        </p:style>
-        <p:txBody>
-          <a:bodyPr rtlCol="0" anchor="ctr"/>
-          <a:lstStyle/>
-          <a:p>
-            <a:pPr algn="ctr"/>
-            <a:r>
-              <a:rPr lang="en-US" sz="1200" dirty="0" smtClean="0">
-                <a:solidFill>
-                  <a:schemeClr val="tx1"/>
-                </a:solidFill>
-              </a:rPr>
-              <a:t>Order Processing</a:t>
-            </a:r>
-            <a:endParaRPr lang="en-US" sz="1200" dirty="0">
-              <a:solidFill>
-                <a:schemeClr val="bg1"/>
-              </a:solidFill>
-            </a:endParaRPr>
-          </a:p>
-        </p:txBody>
-      </p:sp>
-      <p:sp>
-        <p:nvSpPr>
-          <p:cNvPr id="39" name="Right Brace 38"/>
-          <p:cNvSpPr/>
-          <p:nvPr/>
-        </p:nvSpPr>
-        <p:spPr>
-          <a:xfrm rot="5400000">
-            <a:off x="4423968" y="-97089"/>
-            <a:ext cx="316056" cy="4874473"/>
-          </a:xfrm>
-          <a:prstGeom prst="rightBrace">
-            <a:avLst/>
-          </a:prstGeom>
-        </p:spPr>
-        <p:style>
-          <a:lnRef idx="2">
-            <a:schemeClr val="accent1"/>
-          </a:lnRef>
-          <a:fillRef idx="0">
-            <a:schemeClr val="accent1"/>
-          </a:fillRef>
-          <a:effectRef idx="1">
-            <a:schemeClr val="accent1"/>
-          </a:effectRef>
-          <a:fontRef idx="minor">
-            <a:schemeClr val="tx1"/>
-          </a:fontRef>
-        </p:style>
-        <p:txBody>
-          <a:bodyPr rtlCol="0" anchor="ctr"/>
-          <a:lstStyle/>
-          <a:p>
-            <a:pPr algn="ctr"/>
-            <a:endParaRPr lang="en-US"/>
-          </a:p>
-        </p:txBody>
-      </p:sp>
-      <p:sp>
-        <p:nvSpPr>
-          <p:cNvPr id="40" name="Right Brace 39"/>
-          <p:cNvSpPr/>
-          <p:nvPr/>
-        </p:nvSpPr>
-        <p:spPr>
-          <a:xfrm rot="5400000">
-            <a:off x="4261178" y="-1356082"/>
-            <a:ext cx="520632" cy="4753468"/>
-          </a:xfrm>
-          <a:prstGeom prst="rightBrace">
-            <a:avLst/>
-          </a:prstGeom>
-        </p:spPr>
-        <p:style>
-          <a:lnRef idx="2">
-            <a:schemeClr val="accent1"/>
-          </a:lnRef>
-          <a:fillRef idx="0">
-            <a:schemeClr val="accent1"/>
-          </a:fillRef>
-          <a:effectRef idx="1">
-            <a:schemeClr val="accent1"/>
-          </a:effectRef>
-          <a:fontRef idx="minor">
-            <a:schemeClr val="tx1"/>
-          </a:fontRef>
-        </p:style>
-        <p:txBody>
-          <a:bodyPr rtlCol="0" anchor="ctr"/>
-          <a:lstStyle/>
-          <a:p>
-            <a:pPr algn="ctr"/>
-            <a:endParaRPr lang="en-US"/>
-          </a:p>
-        </p:txBody>
-      </p:sp>
-      <p:sp>
-        <p:nvSpPr>
-          <p:cNvPr id="24" name="Rectangle 23"/>
-          <p:cNvSpPr/>
-          <p:nvPr/>
-        </p:nvSpPr>
-        <p:spPr>
-          <a:xfrm>
-            <a:off x="2768930" y="1585222"/>
-            <a:ext cx="1613515" cy="351309"/>
-          </a:xfrm>
-          <a:prstGeom prst="rect">
-            <a:avLst/>
-          </a:prstGeom>
-          <a:solidFill>
-            <a:srgbClr val="C0504D"/>
-          </a:solidFill>
-          <a:ln>
-            <a:noFill/>
-          </a:ln>
-          <a:effectLst/>
-        </p:spPr>
-        <p:style>
-          <a:lnRef idx="3">
-            <a:schemeClr val="lt1"/>
-          </a:lnRef>
-          <a:fillRef idx="1">
-            <a:schemeClr val="accent3"/>
-          </a:fillRef>
-          <a:effectRef idx="1">
-            <a:schemeClr val="accent3"/>
-          </a:effectRef>
-          <a:fontRef idx="minor">
-            <a:schemeClr val="lt1"/>
-          </a:fontRef>
-        </p:style>
-        <p:txBody>
-          <a:bodyPr rtlCol="0" anchor="ctr"/>
-          <a:lstStyle/>
-          <a:p>
-            <a:pPr algn="ctr"/>
-            <a:r>
-              <a:rPr lang="en-US" sz="1200" dirty="0" smtClean="0">
-                <a:solidFill>
-                  <a:schemeClr val="tx1"/>
-                </a:solidFill>
-              </a:rPr>
-              <a:t>Order Tracking</a:t>
-            </a:r>
-            <a:endParaRPr lang="en-US" sz="1200" dirty="0">
-              <a:solidFill>
-                <a:schemeClr val="bg1"/>
-              </a:solidFill>
-            </a:endParaRPr>
-          </a:p>
-        </p:txBody>
-      </p:sp>
-      <p:sp>
-        <p:nvSpPr>
-          <p:cNvPr id="26" name="Rectangle 25"/>
-          <p:cNvSpPr/>
-          <p:nvPr/>
-        </p:nvSpPr>
-        <p:spPr>
-          <a:xfrm>
-            <a:off x="4629521" y="1585291"/>
-            <a:ext cx="1613515" cy="351309"/>
-          </a:xfrm>
-          <a:prstGeom prst="rect">
-            <a:avLst/>
-          </a:prstGeom>
-          <a:solidFill>
-            <a:srgbClr val="C0504D"/>
-          </a:solidFill>
-          <a:ln>
-            <a:noFill/>
-          </a:ln>
-          <a:effectLst/>
-        </p:spPr>
-        <p:style>
-          <a:lnRef idx="3">
-            <a:schemeClr val="lt1"/>
-          </a:lnRef>
-          <a:fillRef idx="1">
-            <a:schemeClr val="accent3"/>
-          </a:fillRef>
-          <a:effectRef idx="1">
-            <a:schemeClr val="accent3"/>
-          </a:effectRef>
-          <a:fontRef idx="minor">
-            <a:schemeClr val="lt1"/>
-          </a:fontRef>
-        </p:style>
-        <p:txBody>
-          <a:bodyPr rtlCol="0" anchor="ctr"/>
-          <a:lstStyle/>
-          <a:p>
-            <a:pPr algn="ctr"/>
-            <a:r>
-              <a:rPr lang="en-US" sz="1200" dirty="0" smtClean="0">
-                <a:solidFill>
-                  <a:schemeClr val="tx1"/>
-                </a:solidFill>
-              </a:rPr>
-              <a:t>Supplier Update</a:t>
-            </a:r>
-            <a:endParaRPr lang="en-US" sz="1200" dirty="0">
-              <a:solidFill>
-                <a:schemeClr val="bg1"/>
-              </a:solidFill>
-            </a:endParaRPr>
-          </a:p>
-        </p:txBody>
-      </p:sp>
-      <p:sp>
-        <p:nvSpPr>
-          <p:cNvPr id="27" name="Rectangle 26"/>
-          <p:cNvSpPr/>
-          <p:nvPr/>
-        </p:nvSpPr>
-        <p:spPr>
-          <a:xfrm>
-            <a:off x="6510528" y="1585291"/>
-            <a:ext cx="1613515" cy="351309"/>
-          </a:xfrm>
-          <a:prstGeom prst="rect">
-            <a:avLst/>
-          </a:prstGeom>
-          <a:solidFill>
-            <a:srgbClr val="C0504D"/>
-          </a:solidFill>
-          <a:ln>
-            <a:noFill/>
-          </a:ln>
-          <a:effectLst/>
-        </p:spPr>
-        <p:style>
-          <a:lnRef idx="3">
-            <a:schemeClr val="lt1"/>
-          </a:lnRef>
-          <a:fillRef idx="1">
-            <a:schemeClr val="accent3"/>
-          </a:fillRef>
-          <a:effectRef idx="1">
-            <a:schemeClr val="accent3"/>
-          </a:effectRef>
-          <a:fontRef idx="minor">
-            <a:schemeClr val="lt1"/>
-          </a:fontRef>
-        </p:style>
-        <p:txBody>
-          <a:bodyPr rtlCol="0" anchor="ctr"/>
-          <a:lstStyle/>
-          <a:p>
-            <a:pPr algn="ctr"/>
-            <a:r>
-              <a:rPr lang="en-US" sz="1200" dirty="0" smtClean="0">
-                <a:solidFill>
-                  <a:schemeClr val="tx1"/>
-                </a:solidFill>
-              </a:rPr>
-              <a:t>Reporting</a:t>
-            </a:r>
-            <a:endParaRPr lang="en-US" sz="1200" dirty="0">
-              <a:solidFill>
-                <a:schemeClr val="bg1"/>
-              </a:solidFill>
-            </a:endParaRPr>
-          </a:p>
-        </p:txBody>
-      </p:sp>
-      <p:sp>
-        <p:nvSpPr>
-          <p:cNvPr id="28" name="Rectangle 27"/>
-          <p:cNvSpPr/>
-          <p:nvPr/>
-        </p:nvSpPr>
-        <p:spPr>
-          <a:xfrm>
-            <a:off x="2277726" y="2638040"/>
-            <a:ext cx="4523230" cy="251512"/>
-          </a:xfrm>
-          <a:prstGeom prst="rect">
-            <a:avLst/>
-          </a:prstGeom>
-          <a:solidFill>
-            <a:schemeClr val="tx2">
-              <a:lumMod val="40000"/>
-              <a:lumOff val="60000"/>
+            <a:schemeClr val="bg1">
+              <a:lumMod val="65000"/>
             </a:schemeClr>
           </a:solidFill>
           <a:ln>
@@ -3852,8 +3546,12 @@
           <a:p>
             <a:pPr algn="ctr"/>
             <a:r>
-              <a:rPr lang="en-US" i="1" dirty="0" smtClean="0"/>
-              <a:t>deploy</a:t>
+              <a:rPr lang="en-US" smtClean="0">
+                <a:solidFill>
+                  <a:schemeClr val="bg1"/>
+                </a:solidFill>
+              </a:rPr>
+              <a:t>Digital Competency</a:t>
             </a:r>
             <a:endParaRPr lang="en-US" dirty="0">
               <a:solidFill>
@@ -3865,21 +3563,21 @@
       </p:sp>
       <p:sp>
         <p:nvSpPr>
-          <p:cNvPr id="29" name="Rectangle 28"/>
+          <p:cNvPr id="14" name="Rectangle 13"/>
           <p:cNvSpPr/>
           <p:nvPr/>
         </p:nvSpPr>
         <p:spPr>
           <a:xfrm>
-            <a:off x="2277726" y="521072"/>
-            <a:ext cx="4523230" cy="264912"/>
+            <a:off x="1621535" y="4267200"/>
+            <a:ext cx="2499360" cy="719296"/>
           </a:xfrm>
           <a:prstGeom prst="rect">
             <a:avLst/>
           </a:prstGeom>
           <a:solidFill>
             <a:schemeClr val="bg1">
-              <a:lumMod val="75000"/>
+              <a:lumMod val="65000"/>
             </a:schemeClr>
           </a:solidFill>
           <a:ln>
@@ -3907,14 +3605,14 @@
           <a:p>
             <a:pPr algn="ctr"/>
             <a:r>
-              <a:rPr lang="en-US" sz="1600" i="1" dirty="0" smtClean="0">
+              <a:rPr lang="en-US" dirty="0" smtClean="0">
                 <a:solidFill>
                   <a:schemeClr val="bg1"/>
                 </a:solidFill>
               </a:rPr>
-              <a:t>develop</a:t>
-            </a:r>
-            <a:endParaRPr lang="en-US" sz="1600" i="1" dirty="0">
+              <a:t>Digital Transformation</a:t>
+            </a:r>
+            <a:endParaRPr lang="en-US" dirty="0">
               <a:solidFill>
                 <a:schemeClr val="bg1"/>
               </a:solidFill>
@@ -3924,326 +3622,21 @@
       </p:sp>
       <p:sp>
         <p:nvSpPr>
-          <p:cNvPr id="30" name="Rectangle 29"/>
+          <p:cNvPr id="15" name="Rectangle 14"/>
           <p:cNvSpPr/>
           <p:nvPr/>
         </p:nvSpPr>
         <p:spPr>
           <a:xfrm>
-            <a:off x="978815" y="4726679"/>
-            <a:ext cx="1613515" cy="351309"/>
+            <a:off x="1621535" y="3176016"/>
+            <a:ext cx="2499360" cy="719296"/>
           </a:xfrm>
           <a:prstGeom prst="rect">
             <a:avLst/>
           </a:prstGeom>
           <a:solidFill>
-            <a:srgbClr val="C0504D"/>
-          </a:solidFill>
-          <a:ln>
-            <a:noFill/>
-          </a:ln>
-          <a:effectLst/>
-        </p:spPr>
-        <p:style>
-          <a:lnRef idx="3">
-            <a:schemeClr val="lt1"/>
-          </a:lnRef>
-          <a:fillRef idx="1">
-            <a:schemeClr val="accent3"/>
-          </a:fillRef>
-          <a:effectRef idx="1">
-            <a:schemeClr val="accent3"/>
-          </a:effectRef>
-          <a:fontRef idx="minor">
-            <a:schemeClr val="lt1"/>
-          </a:fontRef>
-        </p:style>
-        <p:txBody>
-          <a:bodyPr rtlCol="0" anchor="ctr"/>
-          <a:lstStyle/>
-          <a:p>
-            <a:pPr algn="ctr"/>
-            <a:r>
-              <a:rPr lang="en-US" sz="1200" dirty="0" smtClean="0">
-                <a:solidFill>
-                  <a:schemeClr val="tx1"/>
-                </a:solidFill>
-              </a:rPr>
-              <a:t>Order Processing</a:t>
-            </a:r>
-            <a:endParaRPr lang="en-US" sz="1200" dirty="0">
-              <a:solidFill>
-                <a:schemeClr val="bg1"/>
-              </a:solidFill>
-            </a:endParaRPr>
-          </a:p>
-        </p:txBody>
-      </p:sp>
-      <p:sp>
-        <p:nvSpPr>
-          <p:cNvPr id="31" name="Right Brace 30"/>
-          <p:cNvSpPr/>
-          <p:nvPr/>
-        </p:nvSpPr>
-        <p:spPr>
-          <a:xfrm rot="5400000">
-            <a:off x="1466177" y="4932262"/>
-            <a:ext cx="588954" cy="1034143"/>
-          </a:xfrm>
-          <a:prstGeom prst="rightBrace">
-            <a:avLst/>
-          </a:prstGeom>
-        </p:spPr>
-        <p:style>
-          <a:lnRef idx="2">
-            <a:schemeClr val="accent1"/>
-          </a:lnRef>
-          <a:fillRef idx="0">
-            <a:schemeClr val="accent1"/>
-          </a:fillRef>
-          <a:effectRef idx="1">
-            <a:schemeClr val="accent1"/>
-          </a:effectRef>
-          <a:fontRef idx="minor">
-            <a:schemeClr val="tx1"/>
-          </a:fontRef>
-        </p:style>
-        <p:txBody>
-          <a:bodyPr rtlCol="0" anchor="ctr"/>
-          <a:lstStyle/>
-          <a:p>
-            <a:pPr algn="ctr"/>
-            <a:endParaRPr lang="en-US"/>
-          </a:p>
-        </p:txBody>
-      </p:sp>
-      <p:sp>
-        <p:nvSpPr>
-          <p:cNvPr id="36" name="Right Brace 35"/>
-          <p:cNvSpPr/>
-          <p:nvPr/>
-        </p:nvSpPr>
-        <p:spPr>
-          <a:xfrm rot="5400000">
-            <a:off x="1523261" y="3895346"/>
-            <a:ext cx="474788" cy="1034142"/>
-          </a:xfrm>
-          <a:prstGeom prst="rightBrace">
-            <a:avLst/>
-          </a:prstGeom>
-        </p:spPr>
-        <p:style>
-          <a:lnRef idx="2">
-            <a:schemeClr val="accent1"/>
-          </a:lnRef>
-          <a:fillRef idx="0">
-            <a:schemeClr val="accent1"/>
-          </a:fillRef>
-          <a:effectRef idx="1">
-            <a:schemeClr val="accent1"/>
-          </a:effectRef>
-          <a:fontRef idx="minor">
-            <a:schemeClr val="tx1"/>
-          </a:fontRef>
-        </p:style>
-        <p:txBody>
-          <a:bodyPr rtlCol="0" anchor="ctr"/>
-          <a:lstStyle/>
-          <a:p>
-            <a:pPr algn="ctr"/>
-            <a:endParaRPr lang="en-US"/>
-          </a:p>
-        </p:txBody>
-      </p:sp>
-      <p:sp>
-        <p:nvSpPr>
-          <p:cNvPr id="37" name="Rectangle 36"/>
-          <p:cNvSpPr/>
-          <p:nvPr/>
-        </p:nvSpPr>
-        <p:spPr>
-          <a:xfrm>
-            <a:off x="2846916" y="4735709"/>
-            <a:ext cx="1613515" cy="351309"/>
-          </a:xfrm>
-          <a:prstGeom prst="rect">
-            <a:avLst/>
-          </a:prstGeom>
-          <a:solidFill>
-            <a:srgbClr val="C0504D"/>
-          </a:solidFill>
-          <a:ln>
-            <a:noFill/>
-          </a:ln>
-          <a:effectLst/>
-        </p:spPr>
-        <p:style>
-          <a:lnRef idx="3">
-            <a:schemeClr val="lt1"/>
-          </a:lnRef>
-          <a:fillRef idx="1">
-            <a:schemeClr val="accent3"/>
-          </a:fillRef>
-          <a:effectRef idx="1">
-            <a:schemeClr val="accent3"/>
-          </a:effectRef>
-          <a:fontRef idx="minor">
-            <a:schemeClr val="lt1"/>
-          </a:fontRef>
-        </p:style>
-        <p:txBody>
-          <a:bodyPr rtlCol="0" anchor="ctr"/>
-          <a:lstStyle/>
-          <a:p>
-            <a:pPr algn="ctr"/>
-            <a:r>
-              <a:rPr lang="en-US" sz="1200" dirty="0" smtClean="0">
-                <a:solidFill>
-                  <a:schemeClr val="tx1"/>
-                </a:solidFill>
-              </a:rPr>
-              <a:t>Order Tracking</a:t>
-            </a:r>
-            <a:endParaRPr lang="en-US" sz="1200" dirty="0">
-              <a:solidFill>
-                <a:schemeClr val="bg1"/>
-              </a:solidFill>
-            </a:endParaRPr>
-          </a:p>
-        </p:txBody>
-      </p:sp>
-      <p:sp>
-        <p:nvSpPr>
-          <p:cNvPr id="38" name="Rectangle 37"/>
-          <p:cNvSpPr/>
-          <p:nvPr/>
-        </p:nvSpPr>
-        <p:spPr>
-          <a:xfrm>
-            <a:off x="4707507" y="4735778"/>
-            <a:ext cx="1613515" cy="351309"/>
-          </a:xfrm>
-          <a:prstGeom prst="rect">
-            <a:avLst/>
-          </a:prstGeom>
-          <a:solidFill>
-            <a:srgbClr val="C0504D"/>
-          </a:solidFill>
-          <a:ln>
-            <a:noFill/>
-          </a:ln>
-          <a:effectLst/>
-        </p:spPr>
-        <p:style>
-          <a:lnRef idx="3">
-            <a:schemeClr val="lt1"/>
-          </a:lnRef>
-          <a:fillRef idx="1">
-            <a:schemeClr val="accent3"/>
-          </a:fillRef>
-          <a:effectRef idx="1">
-            <a:schemeClr val="accent3"/>
-          </a:effectRef>
-          <a:fontRef idx="minor">
-            <a:schemeClr val="lt1"/>
-          </a:fontRef>
-        </p:style>
-        <p:txBody>
-          <a:bodyPr rtlCol="0" anchor="ctr"/>
-          <a:lstStyle/>
-          <a:p>
-            <a:pPr algn="ctr"/>
-            <a:r>
-              <a:rPr lang="en-US" sz="1200" dirty="0" smtClean="0">
-                <a:solidFill>
-                  <a:schemeClr val="tx1"/>
-                </a:solidFill>
-              </a:rPr>
-              <a:t>Supplier Update</a:t>
-            </a:r>
-            <a:endParaRPr lang="en-US" sz="1200" dirty="0">
-              <a:solidFill>
-                <a:schemeClr val="bg1"/>
-              </a:solidFill>
-            </a:endParaRPr>
-          </a:p>
-        </p:txBody>
-      </p:sp>
-      <p:sp>
-        <p:nvSpPr>
-          <p:cNvPr id="46" name="Rectangle 45"/>
-          <p:cNvSpPr/>
-          <p:nvPr/>
-        </p:nvSpPr>
-        <p:spPr>
-          <a:xfrm>
-            <a:off x="6588514" y="4735778"/>
-            <a:ext cx="1613515" cy="351309"/>
-          </a:xfrm>
-          <a:prstGeom prst="rect">
-            <a:avLst/>
-          </a:prstGeom>
-          <a:solidFill>
-            <a:srgbClr val="C0504D"/>
-          </a:solidFill>
-          <a:ln>
-            <a:noFill/>
-          </a:ln>
-          <a:effectLst/>
-        </p:spPr>
-        <p:style>
-          <a:lnRef idx="3">
-            <a:schemeClr val="lt1"/>
-          </a:lnRef>
-          <a:fillRef idx="1">
-            <a:schemeClr val="accent3"/>
-          </a:fillRef>
-          <a:effectRef idx="1">
-            <a:schemeClr val="accent3"/>
-          </a:effectRef>
-          <a:fontRef idx="minor">
-            <a:schemeClr val="lt1"/>
-          </a:fontRef>
-        </p:style>
-        <p:txBody>
-          <a:bodyPr rtlCol="0" anchor="ctr"/>
-          <a:lstStyle/>
-          <a:p>
-            <a:pPr algn="ctr"/>
-            <a:r>
-              <a:rPr lang="en-US" sz="1200" dirty="0" smtClean="0">
-                <a:solidFill>
-                  <a:schemeClr val="tx1"/>
-                </a:solidFill>
-              </a:rPr>
-              <a:t>Reporting</a:t>
-            </a:r>
-            <a:endParaRPr lang="en-US" sz="1200" dirty="0">
-              <a:solidFill>
-                <a:schemeClr val="bg1"/>
-              </a:solidFill>
-            </a:endParaRPr>
-          </a:p>
-        </p:txBody>
-      </p:sp>
-      <p:sp>
-        <p:nvSpPr>
-          <p:cNvPr id="47" name="Rectangle 46"/>
-          <p:cNvSpPr/>
-          <p:nvPr/>
-        </p:nvSpPr>
-        <p:spPr>
-          <a:xfrm>
-            <a:off x="937432" y="5957427"/>
-            <a:ext cx="1601295" cy="261067"/>
-          </a:xfrm>
-          <a:prstGeom prst="rect">
-            <a:avLst/>
-          </a:prstGeom>
-          <a:solidFill>
-            <a:schemeClr val="tx2">
-              <a:lumMod val="40000"/>
-              <a:lumOff val="60000"/>
+            <a:schemeClr val="bg1">
+              <a:lumMod val="65000"/>
             </a:schemeClr>
           </a:solidFill>
           <a:ln>
@@ -4271,8 +3664,12 @@
           <a:p>
             <a:pPr algn="ctr"/>
             <a:r>
-              <a:rPr lang="en-US" i="1" dirty="0" smtClean="0"/>
-              <a:t>deploy</a:t>
+              <a:rPr lang="en-US" smtClean="0">
+                <a:solidFill>
+                  <a:schemeClr val="bg1"/>
+                </a:solidFill>
+              </a:rPr>
+              <a:t>Digital Literacy</a:t>
             </a:r>
             <a:endParaRPr lang="en-US" dirty="0">
               <a:solidFill>
@@ -4284,22 +3681,77 @@
       </p:sp>
       <p:sp>
         <p:nvSpPr>
-          <p:cNvPr id="48" name="Rectangle 47"/>
+          <p:cNvPr id="17" name="Rectangle 16"/>
           <p:cNvSpPr/>
           <p:nvPr/>
         </p:nvSpPr>
         <p:spPr>
+          <a:xfrm rot="10800000">
+            <a:off x="4590288" y="1353344"/>
+            <a:ext cx="2663952" cy="4486624"/>
+          </a:xfrm>
+          <a:prstGeom prst="rect">
+            <a:avLst/>
+          </a:prstGeom>
+          <a:gradFill>
+            <a:gsLst>
+              <a:gs pos="0">
+                <a:srgbClr val="7030A0"/>
+              </a:gs>
+              <a:gs pos="100000">
+                <a:srgbClr val="C00000"/>
+              </a:gs>
+            </a:gsLst>
+            <a:lin ang="5400000" scaled="1"/>
+          </a:gradFill>
+          <a:ln>
+            <a:noFill/>
+          </a:ln>
+          <a:effectLst/>
+        </p:spPr>
+        <p:style>
+          <a:lnRef idx="3">
+            <a:schemeClr val="lt1"/>
+          </a:lnRef>
+          <a:fillRef idx="1">
+            <a:schemeClr val="accent3"/>
+          </a:fillRef>
+          <a:effectRef idx="1">
+            <a:schemeClr val="accent3"/>
+          </a:effectRef>
+          <a:fontRef idx="minor">
+            <a:schemeClr val="lt1"/>
+          </a:fontRef>
+        </p:style>
+        <p:txBody>
+          <a:bodyPr rtlCol="0" anchor="ctr"/>
+          <a:lstStyle/>
+          <a:p>
+            <a:pPr algn="ctr"/>
+            <a:endParaRPr lang="en-US" dirty="0">
+              <a:solidFill>
+                <a:schemeClr val="bg1"/>
+              </a:solidFill>
+            </a:endParaRPr>
+          </a:p>
+        </p:txBody>
+      </p:sp>
+      <p:sp>
+        <p:nvSpPr>
+          <p:cNvPr id="19" name="Rectangle 18"/>
+          <p:cNvSpPr/>
+          <p:nvPr/>
+        </p:nvSpPr>
+        <p:spPr>
           <a:xfrm>
-            <a:off x="975326" y="3818845"/>
-            <a:ext cx="1539017" cy="226317"/>
+            <a:off x="5059680" y="1545400"/>
+            <a:ext cx="1725168" cy="466312"/>
           </a:xfrm>
           <a:prstGeom prst="rect">
             <a:avLst/>
           </a:prstGeom>
           <a:solidFill>
-            <a:schemeClr val="bg1">
-              <a:lumMod val="75000"/>
-            </a:schemeClr>
+            <a:srgbClr val="00B0F0"/>
           </a:solidFill>
           <a:ln>
             <a:noFill/>
@@ -4326,14 +3778,14 @@
           <a:p>
             <a:pPr algn="ctr"/>
             <a:r>
-              <a:rPr lang="en-US" sz="1600" i="1" dirty="0" smtClean="0">
+              <a:rPr lang="en-US" smtClean="0">
                 <a:solidFill>
                   <a:schemeClr val="bg1"/>
                 </a:solidFill>
               </a:rPr>
-              <a:t>develop</a:t>
-            </a:r>
-            <a:endParaRPr lang="en-US" sz="1600" i="1" dirty="0">
+              <a:t>COST</a:t>
+            </a:r>
+            <a:endParaRPr lang="en-US" dirty="0">
               <a:solidFill>
                 <a:schemeClr val="bg1"/>
               </a:solidFill>
@@ -4343,60 +3795,20 @@
       </p:sp>
       <p:sp>
         <p:nvSpPr>
-          <p:cNvPr id="49" name="Right Brace 48"/>
+          <p:cNvPr id="20" name="Rectangle 19"/>
           <p:cNvSpPr/>
           <p:nvPr/>
         </p:nvSpPr>
         <p:spPr>
-          <a:xfrm rot="5400000">
-            <a:off x="3377146" y="3845875"/>
-            <a:ext cx="487754" cy="1146049"/>
-          </a:xfrm>
-          <a:prstGeom prst="rightBrace">
-            <a:avLst/>
-          </a:prstGeom>
-        </p:spPr>
-        <p:style>
-          <a:lnRef idx="2">
-            <a:schemeClr val="accent1"/>
-          </a:lnRef>
-          <a:fillRef idx="0">
-            <a:schemeClr val="accent1"/>
-          </a:fillRef>
-          <a:effectRef idx="1">
-            <a:schemeClr val="accent1"/>
-          </a:effectRef>
-          <a:fontRef idx="minor">
-            <a:schemeClr val="tx1"/>
-          </a:fontRef>
-        </p:style>
-        <p:txBody>
-          <a:bodyPr rtlCol="0" anchor="ctr"/>
-          <a:lstStyle/>
-          <a:p>
-            <a:pPr algn="ctr"/>
-            <a:endParaRPr lang="en-US"/>
-          </a:p>
-        </p:txBody>
-      </p:sp>
-      <p:sp>
-        <p:nvSpPr>
-          <p:cNvPr id="50" name="Rectangle 49"/>
-          <p:cNvSpPr/>
-          <p:nvPr/>
-        </p:nvSpPr>
-        <p:spPr>
           <a:xfrm>
-            <a:off x="2859108" y="3831812"/>
-            <a:ext cx="1539017" cy="226317"/>
+            <a:off x="5059680" y="4998688"/>
+            <a:ext cx="1725168" cy="466312"/>
           </a:xfrm>
           <a:prstGeom prst="rect">
             <a:avLst/>
           </a:prstGeom>
           <a:solidFill>
-            <a:schemeClr val="bg1">
-              <a:lumMod val="75000"/>
-            </a:schemeClr>
+            <a:srgbClr val="00B0F0"/>
           </a:solidFill>
           <a:ln>
             <a:noFill/>
@@ -4423,300 +3835,12 @@
           <a:p>
             <a:pPr algn="ctr"/>
             <a:r>
-              <a:rPr lang="en-US" sz="1600" i="1" dirty="0" smtClean="0">
+              <a:rPr lang="en-US" dirty="0" smtClean="0">
                 <a:solidFill>
                   <a:schemeClr val="bg1"/>
                 </a:solidFill>
               </a:rPr>
-              <a:t>develop</a:t>
-            </a:r>
-            <a:endParaRPr lang="en-US" sz="1600" i="1" dirty="0">
-              <a:solidFill>
-                <a:schemeClr val="bg1"/>
-              </a:solidFill>
-            </a:endParaRPr>
-          </a:p>
-        </p:txBody>
-      </p:sp>
-      <p:sp>
-        <p:nvSpPr>
-          <p:cNvPr id="51" name="Right Brace 50"/>
-          <p:cNvSpPr/>
-          <p:nvPr/>
-        </p:nvSpPr>
-        <p:spPr>
-          <a:xfrm rot="5400000">
-            <a:off x="5218904" y="3866108"/>
-            <a:ext cx="549360" cy="1058529"/>
-          </a:xfrm>
-          <a:prstGeom prst="rightBrace">
-            <a:avLst/>
-          </a:prstGeom>
-        </p:spPr>
-        <p:style>
-          <a:lnRef idx="2">
-            <a:schemeClr val="accent1"/>
-          </a:lnRef>
-          <a:fillRef idx="0">
-            <a:schemeClr val="accent1"/>
-          </a:fillRef>
-          <a:effectRef idx="1">
-            <a:schemeClr val="accent1"/>
-          </a:effectRef>
-          <a:fontRef idx="minor">
-            <a:schemeClr val="tx1"/>
-          </a:fontRef>
-        </p:style>
-        <p:txBody>
-          <a:bodyPr rtlCol="0" anchor="ctr"/>
-          <a:lstStyle/>
-          <a:p>
-            <a:pPr algn="ctr"/>
-            <a:endParaRPr lang="en-US"/>
-          </a:p>
-        </p:txBody>
-      </p:sp>
-      <p:sp>
-        <p:nvSpPr>
-          <p:cNvPr id="52" name="Rectangle 51"/>
-          <p:cNvSpPr/>
-          <p:nvPr/>
-        </p:nvSpPr>
-        <p:spPr>
-          <a:xfrm>
-            <a:off x="4719699" y="3839086"/>
-            <a:ext cx="1539017" cy="226317"/>
-          </a:xfrm>
-          <a:prstGeom prst="rect">
-            <a:avLst/>
-          </a:prstGeom>
-          <a:solidFill>
-            <a:schemeClr val="bg1">
-              <a:lumMod val="75000"/>
-            </a:schemeClr>
-          </a:solidFill>
-          <a:ln>
-            <a:noFill/>
-          </a:ln>
-          <a:effectLst/>
-        </p:spPr>
-        <p:style>
-          <a:lnRef idx="3">
-            <a:schemeClr val="lt1"/>
-          </a:lnRef>
-          <a:fillRef idx="1">
-            <a:schemeClr val="accent3"/>
-          </a:fillRef>
-          <a:effectRef idx="1">
-            <a:schemeClr val="accent3"/>
-          </a:effectRef>
-          <a:fontRef idx="minor">
-            <a:schemeClr val="lt1"/>
-          </a:fontRef>
-        </p:style>
-        <p:txBody>
-          <a:bodyPr rtlCol="0" anchor="ctr"/>
-          <a:lstStyle/>
-          <a:p>
-            <a:pPr algn="ctr"/>
-            <a:r>
-              <a:rPr lang="en-US" sz="1600" i="1" dirty="0" smtClean="0">
-                <a:solidFill>
-                  <a:schemeClr val="bg1"/>
-                </a:solidFill>
-              </a:rPr>
-              <a:t>develop</a:t>
-            </a:r>
-            <a:endParaRPr lang="en-US" sz="1600" i="1" dirty="0">
-              <a:solidFill>
-                <a:schemeClr val="bg1"/>
-              </a:solidFill>
-            </a:endParaRPr>
-          </a:p>
-        </p:txBody>
-      </p:sp>
-      <p:sp>
-        <p:nvSpPr>
-          <p:cNvPr id="53" name="Right Brace 52"/>
-          <p:cNvSpPr/>
-          <p:nvPr/>
-        </p:nvSpPr>
-        <p:spPr>
-          <a:xfrm rot="5400000">
-            <a:off x="7164307" y="3891355"/>
-            <a:ext cx="501210" cy="1068544"/>
-          </a:xfrm>
-          <a:prstGeom prst="rightBrace">
-            <a:avLst/>
-          </a:prstGeom>
-        </p:spPr>
-        <p:style>
-          <a:lnRef idx="2">
-            <a:schemeClr val="accent1"/>
-          </a:lnRef>
-          <a:fillRef idx="0">
-            <a:schemeClr val="accent1"/>
-          </a:fillRef>
-          <a:effectRef idx="1">
-            <a:schemeClr val="accent1"/>
-          </a:effectRef>
-          <a:fontRef idx="minor">
-            <a:schemeClr val="tx1"/>
-          </a:fontRef>
-        </p:style>
-        <p:txBody>
-          <a:bodyPr rtlCol="0" anchor="ctr"/>
-          <a:lstStyle/>
-          <a:p>
-            <a:pPr algn="ctr"/>
-            <a:endParaRPr lang="en-US"/>
-          </a:p>
-        </p:txBody>
-      </p:sp>
-      <p:sp>
-        <p:nvSpPr>
-          <p:cNvPr id="54" name="Rectangle 53"/>
-          <p:cNvSpPr/>
-          <p:nvPr/>
-        </p:nvSpPr>
-        <p:spPr>
-          <a:xfrm>
-            <a:off x="6609410" y="3845266"/>
-            <a:ext cx="1539017" cy="226317"/>
-          </a:xfrm>
-          <a:prstGeom prst="rect">
-            <a:avLst/>
-          </a:prstGeom>
-          <a:solidFill>
-            <a:schemeClr val="bg1">
-              <a:lumMod val="75000"/>
-            </a:schemeClr>
-          </a:solidFill>
-          <a:ln>
-            <a:noFill/>
-          </a:ln>
-          <a:effectLst/>
-        </p:spPr>
-        <p:style>
-          <a:lnRef idx="3">
-            <a:schemeClr val="lt1"/>
-          </a:lnRef>
-          <a:fillRef idx="1">
-            <a:schemeClr val="accent3"/>
-          </a:fillRef>
-          <a:effectRef idx="1">
-            <a:schemeClr val="accent3"/>
-          </a:effectRef>
-          <a:fontRef idx="minor">
-            <a:schemeClr val="lt1"/>
-          </a:fontRef>
-        </p:style>
-        <p:txBody>
-          <a:bodyPr rtlCol="0" anchor="ctr"/>
-          <a:lstStyle/>
-          <a:p>
-            <a:pPr algn="ctr"/>
-            <a:r>
-              <a:rPr lang="en-US" sz="1600" i="1" dirty="0" smtClean="0">
-                <a:solidFill>
-                  <a:schemeClr val="bg1"/>
-                </a:solidFill>
-              </a:rPr>
-              <a:t>develop</a:t>
-            </a:r>
-            <a:endParaRPr lang="en-US" sz="1600" i="1" dirty="0">
-              <a:solidFill>
-                <a:schemeClr val="bg1"/>
-              </a:solidFill>
-            </a:endParaRPr>
-          </a:p>
-        </p:txBody>
-      </p:sp>
-      <p:sp>
-        <p:nvSpPr>
-          <p:cNvPr id="55" name="Right Brace 54"/>
-          <p:cNvSpPr/>
-          <p:nvPr/>
-        </p:nvSpPr>
-        <p:spPr>
-          <a:xfrm rot="5400000">
-            <a:off x="3367771" y="4853725"/>
-            <a:ext cx="506501" cy="1146049"/>
-          </a:xfrm>
-          <a:prstGeom prst="rightBrace">
-            <a:avLst/>
-          </a:prstGeom>
-        </p:spPr>
-        <p:style>
-          <a:lnRef idx="2">
-            <a:schemeClr val="accent1"/>
-          </a:lnRef>
-          <a:fillRef idx="0">
-            <a:schemeClr val="accent1"/>
-          </a:fillRef>
-          <a:effectRef idx="1">
-            <a:schemeClr val="accent1"/>
-          </a:effectRef>
-          <a:fontRef idx="minor">
-            <a:schemeClr val="tx1"/>
-          </a:fontRef>
-        </p:style>
-        <p:txBody>
-          <a:bodyPr rtlCol="0" anchor="ctr"/>
-          <a:lstStyle/>
-          <a:p>
-            <a:pPr algn="ctr"/>
-            <a:endParaRPr lang="en-US"/>
-          </a:p>
-        </p:txBody>
-      </p:sp>
-      <p:sp>
-        <p:nvSpPr>
-          <p:cNvPr id="56" name="Rectangle 55"/>
-          <p:cNvSpPr/>
-          <p:nvPr/>
-        </p:nvSpPr>
-        <p:spPr>
-          <a:xfrm>
-            <a:off x="2859136" y="5893617"/>
-            <a:ext cx="1601295" cy="261067"/>
-          </a:xfrm>
-          <a:prstGeom prst="rect">
-            <a:avLst/>
-          </a:prstGeom>
-          <a:solidFill>
-            <a:schemeClr val="tx2">
-              <a:lumMod val="40000"/>
-              <a:lumOff val="60000"/>
-            </a:schemeClr>
-          </a:solidFill>
-          <a:ln>
-            <a:noFill/>
-          </a:ln>
-          <a:effectLst/>
-        </p:spPr>
-        <p:style>
-          <a:lnRef idx="3">
-            <a:schemeClr val="lt1"/>
-          </a:lnRef>
-          <a:fillRef idx="1">
-            <a:schemeClr val="accent3"/>
-          </a:fillRef>
-          <a:effectRef idx="1">
-            <a:schemeClr val="accent3"/>
-          </a:effectRef>
-          <a:fontRef idx="minor">
-            <a:schemeClr val="lt1"/>
-          </a:fontRef>
-        </p:style>
-        <p:txBody>
-          <a:bodyPr rtlCol="0" anchor="ctr"/>
-          <a:lstStyle/>
-          <a:p>
-            <a:pPr algn="ctr"/>
-            <a:r>
-              <a:rPr lang="en-US" i="1" dirty="0" smtClean="0"/>
-              <a:t>deploy</a:t>
+              <a:t>OPPORTUNITY</a:t>
             </a:r>
             <a:endParaRPr lang="en-US" dirty="0">
               <a:solidFill>
@@ -4728,232 +3852,14 @@
       </p:sp>
       <p:sp>
         <p:nvSpPr>
-          <p:cNvPr id="57" name="Right Brace 56"/>
-          <p:cNvSpPr/>
-          <p:nvPr/>
-        </p:nvSpPr>
-        <p:spPr>
-          <a:xfrm rot="5400000">
-            <a:off x="5226400" y="4911416"/>
-            <a:ext cx="534366" cy="1058531"/>
-          </a:xfrm>
-          <a:prstGeom prst="rightBrace">
-            <a:avLst/>
-          </a:prstGeom>
-        </p:spPr>
-        <p:style>
-          <a:lnRef idx="2">
-            <a:schemeClr val="accent1"/>
-          </a:lnRef>
-          <a:fillRef idx="0">
-            <a:schemeClr val="accent1"/>
-          </a:fillRef>
-          <a:effectRef idx="1">
-            <a:schemeClr val="accent1"/>
-          </a:effectRef>
-          <a:fontRef idx="minor">
-            <a:schemeClr val="tx1"/>
-          </a:fontRef>
-        </p:style>
-        <p:txBody>
-          <a:bodyPr rtlCol="0" anchor="ctr"/>
-          <a:lstStyle/>
-          <a:p>
-            <a:pPr algn="ctr"/>
-            <a:endParaRPr lang="en-US"/>
-          </a:p>
-        </p:txBody>
-      </p:sp>
-      <p:sp>
-        <p:nvSpPr>
-          <p:cNvPr id="58" name="Rectangle 57"/>
-          <p:cNvSpPr/>
+          <p:cNvPr id="4" name="TextBox 3"/>
+          <p:cNvSpPr txBox="1"/>
           <p:nvPr/>
         </p:nvSpPr>
         <p:spPr>
           <a:xfrm>
-            <a:off x="4731919" y="5921482"/>
-            <a:ext cx="1601295" cy="261067"/>
-          </a:xfrm>
-          <a:prstGeom prst="rect">
-            <a:avLst/>
-          </a:prstGeom>
-          <a:solidFill>
-            <a:schemeClr val="tx2">
-              <a:lumMod val="40000"/>
-              <a:lumOff val="60000"/>
-            </a:schemeClr>
-          </a:solidFill>
-          <a:ln>
-            <a:noFill/>
-          </a:ln>
-          <a:effectLst/>
-        </p:spPr>
-        <p:style>
-          <a:lnRef idx="3">
-            <a:schemeClr val="lt1"/>
-          </a:lnRef>
-          <a:fillRef idx="1">
-            <a:schemeClr val="accent3"/>
-          </a:fillRef>
-          <a:effectRef idx="1">
-            <a:schemeClr val="accent3"/>
-          </a:effectRef>
-          <a:fontRef idx="minor">
-            <a:schemeClr val="lt1"/>
-          </a:fontRef>
-        </p:style>
-        <p:txBody>
-          <a:bodyPr rtlCol="0" anchor="ctr"/>
-          <a:lstStyle/>
-          <a:p>
-            <a:pPr algn="ctr"/>
-            <a:r>
-              <a:rPr lang="en-US" i="1" dirty="0" smtClean="0"/>
-              <a:t>deploy</a:t>
-            </a:r>
-            <a:endParaRPr lang="en-US" dirty="0">
-              <a:solidFill>
-                <a:schemeClr val="bg1"/>
-              </a:solidFill>
-            </a:endParaRPr>
-          </a:p>
-        </p:txBody>
-      </p:sp>
-      <p:sp>
-        <p:nvSpPr>
-          <p:cNvPr id="59" name="Right Brace 58"/>
-          <p:cNvSpPr/>
-          <p:nvPr/>
-        </p:nvSpPr>
-        <p:spPr>
-          <a:xfrm rot="5400000">
-            <a:off x="7156549" y="4897587"/>
-            <a:ext cx="516724" cy="1068545"/>
-          </a:xfrm>
-          <a:prstGeom prst="rightBrace">
-            <a:avLst/>
-          </a:prstGeom>
-        </p:spPr>
-        <p:style>
-          <a:lnRef idx="2">
-            <a:schemeClr val="accent1"/>
-          </a:lnRef>
-          <a:fillRef idx="0">
-            <a:schemeClr val="accent1"/>
-          </a:fillRef>
-          <a:effectRef idx="1">
-            <a:schemeClr val="accent1"/>
-          </a:effectRef>
-          <a:fontRef idx="minor">
-            <a:schemeClr val="tx1"/>
-          </a:fontRef>
-        </p:style>
-        <p:txBody>
-          <a:bodyPr rtlCol="0" anchor="ctr"/>
-          <a:lstStyle/>
-          <a:p>
-            <a:pPr algn="ctr"/>
-            <a:endParaRPr lang="en-US"/>
-          </a:p>
-        </p:txBody>
-      </p:sp>
-      <p:sp>
-        <p:nvSpPr>
-          <p:cNvPr id="60" name="Rectangle 59"/>
-          <p:cNvSpPr/>
-          <p:nvPr/>
-        </p:nvSpPr>
-        <p:spPr>
-          <a:xfrm>
-            <a:off x="6612926" y="5903839"/>
-            <a:ext cx="1601295" cy="261067"/>
-          </a:xfrm>
-          <a:prstGeom prst="rect">
-            <a:avLst/>
-          </a:prstGeom>
-          <a:solidFill>
-            <a:schemeClr val="tx2">
-              <a:lumMod val="40000"/>
-              <a:lumOff val="60000"/>
-            </a:schemeClr>
-          </a:solidFill>
-          <a:ln>
-            <a:noFill/>
-          </a:ln>
-          <a:effectLst/>
-        </p:spPr>
-        <p:style>
-          <a:lnRef idx="3">
-            <a:schemeClr val="lt1"/>
-          </a:lnRef>
-          <a:fillRef idx="1">
-            <a:schemeClr val="accent3"/>
-          </a:fillRef>
-          <a:effectRef idx="1">
-            <a:schemeClr val="accent3"/>
-          </a:effectRef>
-          <a:fontRef idx="minor">
-            <a:schemeClr val="lt1"/>
-          </a:fontRef>
-        </p:style>
-        <p:txBody>
-          <a:bodyPr rtlCol="0" anchor="ctr"/>
-          <a:lstStyle/>
-          <a:p>
-            <a:pPr algn="ctr"/>
-            <a:r>
-              <a:rPr lang="en-US" i="1" dirty="0" smtClean="0"/>
-              <a:t>deploy</a:t>
-            </a:r>
-            <a:endParaRPr lang="en-US" dirty="0">
-              <a:solidFill>
-                <a:schemeClr val="bg1"/>
-              </a:solidFill>
-            </a:endParaRPr>
-          </a:p>
-        </p:txBody>
-      </p:sp>
-      <p:cxnSp>
-        <p:nvCxnSpPr>
-          <p:cNvPr id="6" name="Straight Connector 5"/>
-          <p:cNvCxnSpPr/>
-          <p:nvPr/>
-        </p:nvCxnSpPr>
-        <p:spPr>
-          <a:xfrm>
-            <a:off x="53023" y="3084576"/>
-            <a:ext cx="8814816" cy="0"/>
-          </a:xfrm>
-          <a:prstGeom prst="line">
-            <a:avLst/>
-          </a:prstGeom>
-        </p:spPr>
-        <p:style>
-          <a:lnRef idx="2">
-            <a:schemeClr val="accent1"/>
-          </a:lnRef>
-          <a:fillRef idx="0">
-            <a:schemeClr val="accent1"/>
-          </a:fillRef>
-          <a:effectRef idx="1">
-            <a:schemeClr val="accent1"/>
-          </a:effectRef>
-          <a:fontRef idx="minor">
-            <a:schemeClr val="tx1"/>
-          </a:fontRef>
-        </p:style>
-      </p:cxnSp>
-      <p:sp>
-        <p:nvSpPr>
-          <p:cNvPr id="32" name="TextBox 31"/>
-          <p:cNvSpPr txBox="1"/>
-          <p:nvPr/>
-        </p:nvSpPr>
-        <p:spPr>
-          <a:xfrm>
-            <a:off x="262245" y="2554086"/>
-            <a:ext cx="1791037" cy="369332"/>
+            <a:off x="2359151" y="609044"/>
+            <a:ext cx="4425697" cy="369332"/>
           </a:xfrm>
           <a:prstGeom prst="rect">
             <a:avLst/>
@@ -4968,37 +3874,7 @@
           <a:p>
             <a:r>
               <a:rPr lang="en-US" dirty="0" smtClean="0"/>
-              <a:t>Monolith SOA</a:t>
-            </a:r>
-            <a:endParaRPr lang="en-US" dirty="0"/>
-          </a:p>
-        </p:txBody>
-      </p:sp>
-      <p:sp>
-        <p:nvSpPr>
-          <p:cNvPr id="33" name="TextBox 32"/>
-          <p:cNvSpPr txBox="1"/>
-          <p:nvPr/>
-        </p:nvSpPr>
-        <p:spPr>
-          <a:xfrm>
-            <a:off x="262245" y="3192949"/>
-            <a:ext cx="3364992" cy="369332"/>
-          </a:xfrm>
-          <a:prstGeom prst="rect">
-            <a:avLst/>
-          </a:prstGeom>
-          <a:noFill/>
-        </p:spPr>
-        <p:txBody>
-          <a:bodyPr wrap="square" rtlCol="0">
-            <a:spAutoFit/>
-          </a:bodyPr>
-          <a:lstStyle/>
-          <a:p>
-            <a:r>
-              <a:rPr lang="en-US" dirty="0" smtClean="0"/>
-              <a:t>Microservices</a:t>
+              <a:t>THE PARADOX OF DIGITAL TRANSFORMATION</a:t>
             </a:r>
             <a:endParaRPr lang="en-US" dirty="0"/>
           </a:p>
@@ -5007,7 +3883,7 @@
     </p:spTree>
     <p:extLst>
       <p:ext uri="{BB962C8B-B14F-4D97-AF65-F5344CB8AC3E}">
-        <p14:creationId xmlns:p14="http://schemas.microsoft.com/office/powerpoint/2010/main" val="1994170553"/>
+        <p14:creationId xmlns:p14="http://schemas.microsoft.com/office/powerpoint/2010/main" val="267842205"/>
       </p:ext>
     </p:extLst>
   </p:cSld>
@@ -5048,7 +3924,7 @@
                                           </p:stCondLst>
                                         </p:cTn>
                                         <p:tgtEl>
-                                          <p:spTgt spid="13"/>
+                                          <p:spTgt spid="23"/>
                                         </p:tgtEl>
                                         <p:attrNameLst>
                                           <p:attrName>style.visibility</p:attrName>
@@ -5093,7 +3969,7 @@
                                           </p:stCondLst>
                                         </p:cTn>
                                         <p:tgtEl>
-                                          <p:spTgt spid="24"/>
+                                          <p:spTgt spid="14"/>
                                         </p:tgtEl>
                                         <p:attrNameLst>
                                           <p:attrName>style.visibility</p:attrName>
@@ -5138,7 +4014,7 @@
                                           </p:stCondLst>
                                         </p:cTn>
                                         <p:tgtEl>
-                                          <p:spTgt spid="26"/>
+                                          <p:spTgt spid="15"/>
                                         </p:tgtEl>
                                         <p:attrNameLst>
                                           <p:attrName>style.visibility</p:attrName>
@@ -5183,7 +4059,7 @@
                                           </p:stCondLst>
                                         </p:cTn>
                                         <p:tgtEl>
-                                          <p:spTgt spid="27"/>
+                                          <p:spTgt spid="17"/>
                                         </p:tgtEl>
                                         <p:attrNameLst>
                                           <p:attrName>style.visibility</p:attrName>
@@ -5228,7 +4104,7 @@
                                           </p:stCondLst>
                                         </p:cTn>
                                         <p:tgtEl>
-                                          <p:spTgt spid="28"/>
+                                          <p:spTgt spid="19"/>
                                         </p:tgtEl>
                                         <p:attrNameLst>
                                           <p:attrName>style.visibility</p:attrName>
@@ -5273,547 +4149,7 @@
                                           </p:stCondLst>
                                         </p:cTn>
                                         <p:tgtEl>
-                                          <p:spTgt spid="29"/>
-                                        </p:tgtEl>
-                                        <p:attrNameLst>
-                                          <p:attrName>style.visibility</p:attrName>
-                                        </p:attrNameLst>
-                                      </p:cBhvr>
-                                      <p:to>
-                                        <p:strVal val="visible"/>
-                                      </p:to>
-                                    </p:set>
-                                  </p:childTnLst>
-                                </p:cTn>
-                              </p:par>
-                            </p:childTnLst>
-                          </p:cTn>
-                        </p:par>
-                      </p:childTnLst>
-                    </p:cTn>
-                  </p:par>
-                  <p:par>
-                    <p:cTn id="27" fill="hold">
-                      <p:stCondLst>
-                        <p:cond delay="indefinite"/>
-                      </p:stCondLst>
-                      <p:childTnLst>
-                        <p:par>
-                          <p:cTn id="28" fill="hold">
-                            <p:stCondLst>
-                              <p:cond delay="0"/>
-                            </p:stCondLst>
-                            <p:childTnLst>
-                              <p:par>
-                                <p:cTn id="29" presetID="1" presetClass="entr" presetSubtype="0" fill="hold" grpId="0" nodeType="clickEffect">
-                                  <p:stCondLst>
-                                    <p:cond delay="0"/>
-                                  </p:stCondLst>
-                                  <p:childTnLst>
-                                    <p:set>
-                                      <p:cBhvr>
-                                        <p:cTn id="30" dur="1" fill="hold">
-                                          <p:stCondLst>
-                                            <p:cond delay="0"/>
-                                          </p:stCondLst>
-                                        </p:cTn>
-                                        <p:tgtEl>
-                                          <p:spTgt spid="30"/>
-                                        </p:tgtEl>
-                                        <p:attrNameLst>
-                                          <p:attrName>style.visibility</p:attrName>
-                                        </p:attrNameLst>
-                                      </p:cBhvr>
-                                      <p:to>
-                                        <p:strVal val="visible"/>
-                                      </p:to>
-                                    </p:set>
-                                  </p:childTnLst>
-                                </p:cTn>
-                              </p:par>
-                            </p:childTnLst>
-                          </p:cTn>
-                        </p:par>
-                      </p:childTnLst>
-                    </p:cTn>
-                  </p:par>
-                  <p:par>
-                    <p:cTn id="31" fill="hold">
-                      <p:stCondLst>
-                        <p:cond delay="indefinite"/>
-                      </p:stCondLst>
-                      <p:childTnLst>
-                        <p:par>
-                          <p:cTn id="32" fill="hold">
-                            <p:stCondLst>
-                              <p:cond delay="0"/>
-                            </p:stCondLst>
-                            <p:childTnLst>
-                              <p:par>
-                                <p:cTn id="33" presetID="1" presetClass="entr" presetSubtype="0" fill="hold" grpId="0" nodeType="clickEffect">
-                                  <p:stCondLst>
-                                    <p:cond delay="0"/>
-                                  </p:stCondLst>
-                                  <p:childTnLst>
-                                    <p:set>
-                                      <p:cBhvr>
-                                        <p:cTn id="34" dur="1" fill="hold">
-                                          <p:stCondLst>
-                                            <p:cond delay="0"/>
-                                          </p:stCondLst>
-                                        </p:cTn>
-                                        <p:tgtEl>
-                                          <p:spTgt spid="37"/>
-                                        </p:tgtEl>
-                                        <p:attrNameLst>
-                                          <p:attrName>style.visibility</p:attrName>
-                                        </p:attrNameLst>
-                                      </p:cBhvr>
-                                      <p:to>
-                                        <p:strVal val="visible"/>
-                                      </p:to>
-                                    </p:set>
-                                  </p:childTnLst>
-                                </p:cTn>
-                              </p:par>
-                            </p:childTnLst>
-                          </p:cTn>
-                        </p:par>
-                      </p:childTnLst>
-                    </p:cTn>
-                  </p:par>
-                  <p:par>
-                    <p:cTn id="35" fill="hold">
-                      <p:stCondLst>
-                        <p:cond delay="indefinite"/>
-                      </p:stCondLst>
-                      <p:childTnLst>
-                        <p:par>
-                          <p:cTn id="36" fill="hold">
-                            <p:stCondLst>
-                              <p:cond delay="0"/>
-                            </p:stCondLst>
-                            <p:childTnLst>
-                              <p:par>
-                                <p:cTn id="37" presetID="1" presetClass="entr" presetSubtype="0" fill="hold" grpId="0" nodeType="clickEffect">
-                                  <p:stCondLst>
-                                    <p:cond delay="0"/>
-                                  </p:stCondLst>
-                                  <p:childTnLst>
-                                    <p:set>
-                                      <p:cBhvr>
-                                        <p:cTn id="38" dur="1" fill="hold">
-                                          <p:stCondLst>
-                                            <p:cond delay="0"/>
-                                          </p:stCondLst>
-                                        </p:cTn>
-                                        <p:tgtEl>
-                                          <p:spTgt spid="38"/>
-                                        </p:tgtEl>
-                                        <p:attrNameLst>
-                                          <p:attrName>style.visibility</p:attrName>
-                                        </p:attrNameLst>
-                                      </p:cBhvr>
-                                      <p:to>
-                                        <p:strVal val="visible"/>
-                                      </p:to>
-                                    </p:set>
-                                  </p:childTnLst>
-                                </p:cTn>
-                              </p:par>
-                            </p:childTnLst>
-                          </p:cTn>
-                        </p:par>
-                      </p:childTnLst>
-                    </p:cTn>
-                  </p:par>
-                  <p:par>
-                    <p:cTn id="39" fill="hold">
-                      <p:stCondLst>
-                        <p:cond delay="indefinite"/>
-                      </p:stCondLst>
-                      <p:childTnLst>
-                        <p:par>
-                          <p:cTn id="40" fill="hold">
-                            <p:stCondLst>
-                              <p:cond delay="0"/>
-                            </p:stCondLst>
-                            <p:childTnLst>
-                              <p:par>
-                                <p:cTn id="41" presetID="1" presetClass="entr" presetSubtype="0" fill="hold" grpId="0" nodeType="clickEffect">
-                                  <p:stCondLst>
-                                    <p:cond delay="0"/>
-                                  </p:stCondLst>
-                                  <p:childTnLst>
-                                    <p:set>
-                                      <p:cBhvr>
-                                        <p:cTn id="42" dur="1" fill="hold">
-                                          <p:stCondLst>
-                                            <p:cond delay="0"/>
-                                          </p:stCondLst>
-                                        </p:cTn>
-                                        <p:tgtEl>
-                                          <p:spTgt spid="46"/>
-                                        </p:tgtEl>
-                                        <p:attrNameLst>
-                                          <p:attrName>style.visibility</p:attrName>
-                                        </p:attrNameLst>
-                                      </p:cBhvr>
-                                      <p:to>
-                                        <p:strVal val="visible"/>
-                                      </p:to>
-                                    </p:set>
-                                  </p:childTnLst>
-                                </p:cTn>
-                              </p:par>
-                            </p:childTnLst>
-                          </p:cTn>
-                        </p:par>
-                      </p:childTnLst>
-                    </p:cTn>
-                  </p:par>
-                  <p:par>
-                    <p:cTn id="43" fill="hold">
-                      <p:stCondLst>
-                        <p:cond delay="indefinite"/>
-                      </p:stCondLst>
-                      <p:childTnLst>
-                        <p:par>
-                          <p:cTn id="44" fill="hold">
-                            <p:stCondLst>
-                              <p:cond delay="0"/>
-                            </p:stCondLst>
-                            <p:childTnLst>
-                              <p:par>
-                                <p:cTn id="45" presetID="1" presetClass="entr" presetSubtype="0" fill="hold" grpId="0" nodeType="clickEffect">
-                                  <p:stCondLst>
-                                    <p:cond delay="0"/>
-                                  </p:stCondLst>
-                                  <p:childTnLst>
-                                    <p:set>
-                                      <p:cBhvr>
-                                        <p:cTn id="46" dur="1" fill="hold">
-                                          <p:stCondLst>
-                                            <p:cond delay="0"/>
-                                          </p:stCondLst>
-                                        </p:cTn>
-                                        <p:tgtEl>
-                                          <p:spTgt spid="47"/>
-                                        </p:tgtEl>
-                                        <p:attrNameLst>
-                                          <p:attrName>style.visibility</p:attrName>
-                                        </p:attrNameLst>
-                                      </p:cBhvr>
-                                      <p:to>
-                                        <p:strVal val="visible"/>
-                                      </p:to>
-                                    </p:set>
-                                  </p:childTnLst>
-                                </p:cTn>
-                              </p:par>
-                            </p:childTnLst>
-                          </p:cTn>
-                        </p:par>
-                      </p:childTnLst>
-                    </p:cTn>
-                  </p:par>
-                  <p:par>
-                    <p:cTn id="47" fill="hold">
-                      <p:stCondLst>
-                        <p:cond delay="indefinite"/>
-                      </p:stCondLst>
-                      <p:childTnLst>
-                        <p:par>
-                          <p:cTn id="48" fill="hold">
-                            <p:stCondLst>
-                              <p:cond delay="0"/>
-                            </p:stCondLst>
-                            <p:childTnLst>
-                              <p:par>
-                                <p:cTn id="49" presetID="1" presetClass="entr" presetSubtype="0" fill="hold" grpId="0" nodeType="clickEffect">
-                                  <p:stCondLst>
-                                    <p:cond delay="0"/>
-                                  </p:stCondLst>
-                                  <p:childTnLst>
-                                    <p:set>
-                                      <p:cBhvr>
-                                        <p:cTn id="50" dur="1" fill="hold">
-                                          <p:stCondLst>
-                                            <p:cond delay="0"/>
-                                          </p:stCondLst>
-                                        </p:cTn>
-                                        <p:tgtEl>
-                                          <p:spTgt spid="48"/>
-                                        </p:tgtEl>
-                                        <p:attrNameLst>
-                                          <p:attrName>style.visibility</p:attrName>
-                                        </p:attrNameLst>
-                                      </p:cBhvr>
-                                      <p:to>
-                                        <p:strVal val="visible"/>
-                                      </p:to>
-                                    </p:set>
-                                  </p:childTnLst>
-                                </p:cTn>
-                              </p:par>
-                            </p:childTnLst>
-                          </p:cTn>
-                        </p:par>
-                      </p:childTnLst>
-                    </p:cTn>
-                  </p:par>
-                  <p:par>
-                    <p:cTn id="51" fill="hold">
-                      <p:stCondLst>
-                        <p:cond delay="indefinite"/>
-                      </p:stCondLst>
-                      <p:childTnLst>
-                        <p:par>
-                          <p:cTn id="52" fill="hold">
-                            <p:stCondLst>
-                              <p:cond delay="0"/>
-                            </p:stCondLst>
-                            <p:childTnLst>
-                              <p:par>
-                                <p:cTn id="53" presetID="1" presetClass="entr" presetSubtype="0" fill="hold" grpId="0" nodeType="clickEffect">
-                                  <p:stCondLst>
-                                    <p:cond delay="0"/>
-                                  </p:stCondLst>
-                                  <p:childTnLst>
-                                    <p:set>
-                                      <p:cBhvr>
-                                        <p:cTn id="54" dur="1" fill="hold">
-                                          <p:stCondLst>
-                                            <p:cond delay="0"/>
-                                          </p:stCondLst>
-                                        </p:cTn>
-                                        <p:tgtEl>
-                                          <p:spTgt spid="50"/>
-                                        </p:tgtEl>
-                                        <p:attrNameLst>
-                                          <p:attrName>style.visibility</p:attrName>
-                                        </p:attrNameLst>
-                                      </p:cBhvr>
-                                      <p:to>
-                                        <p:strVal val="visible"/>
-                                      </p:to>
-                                    </p:set>
-                                  </p:childTnLst>
-                                </p:cTn>
-                              </p:par>
-                            </p:childTnLst>
-                          </p:cTn>
-                        </p:par>
-                      </p:childTnLst>
-                    </p:cTn>
-                  </p:par>
-                  <p:par>
-                    <p:cTn id="55" fill="hold">
-                      <p:stCondLst>
-                        <p:cond delay="indefinite"/>
-                      </p:stCondLst>
-                      <p:childTnLst>
-                        <p:par>
-                          <p:cTn id="56" fill="hold">
-                            <p:stCondLst>
-                              <p:cond delay="0"/>
-                            </p:stCondLst>
-                            <p:childTnLst>
-                              <p:par>
-                                <p:cTn id="57" presetID="1" presetClass="entr" presetSubtype="0" fill="hold" grpId="0" nodeType="clickEffect">
-                                  <p:stCondLst>
-                                    <p:cond delay="0"/>
-                                  </p:stCondLst>
-                                  <p:childTnLst>
-                                    <p:set>
-                                      <p:cBhvr>
-                                        <p:cTn id="58" dur="1" fill="hold">
-                                          <p:stCondLst>
-                                            <p:cond delay="0"/>
-                                          </p:stCondLst>
-                                        </p:cTn>
-                                        <p:tgtEl>
-                                          <p:spTgt spid="52"/>
-                                        </p:tgtEl>
-                                        <p:attrNameLst>
-                                          <p:attrName>style.visibility</p:attrName>
-                                        </p:attrNameLst>
-                                      </p:cBhvr>
-                                      <p:to>
-                                        <p:strVal val="visible"/>
-                                      </p:to>
-                                    </p:set>
-                                  </p:childTnLst>
-                                </p:cTn>
-                              </p:par>
-                            </p:childTnLst>
-                          </p:cTn>
-                        </p:par>
-                      </p:childTnLst>
-                    </p:cTn>
-                  </p:par>
-                  <p:par>
-                    <p:cTn id="59" fill="hold">
-                      <p:stCondLst>
-                        <p:cond delay="indefinite"/>
-                      </p:stCondLst>
-                      <p:childTnLst>
-                        <p:par>
-                          <p:cTn id="60" fill="hold">
-                            <p:stCondLst>
-                              <p:cond delay="0"/>
-                            </p:stCondLst>
-                            <p:childTnLst>
-                              <p:par>
-                                <p:cTn id="61" presetID="1" presetClass="entr" presetSubtype="0" fill="hold" grpId="0" nodeType="clickEffect">
-                                  <p:stCondLst>
-                                    <p:cond delay="0"/>
-                                  </p:stCondLst>
-                                  <p:childTnLst>
-                                    <p:set>
-                                      <p:cBhvr>
-                                        <p:cTn id="62" dur="1" fill="hold">
-                                          <p:stCondLst>
-                                            <p:cond delay="0"/>
-                                          </p:stCondLst>
-                                        </p:cTn>
-                                        <p:tgtEl>
-                                          <p:spTgt spid="54"/>
-                                        </p:tgtEl>
-                                        <p:attrNameLst>
-                                          <p:attrName>style.visibility</p:attrName>
-                                        </p:attrNameLst>
-                                      </p:cBhvr>
-                                      <p:to>
-                                        <p:strVal val="visible"/>
-                                      </p:to>
-                                    </p:set>
-                                  </p:childTnLst>
-                                </p:cTn>
-                              </p:par>
-                            </p:childTnLst>
-                          </p:cTn>
-                        </p:par>
-                      </p:childTnLst>
-                    </p:cTn>
-                  </p:par>
-                  <p:par>
-                    <p:cTn id="63" fill="hold">
-                      <p:stCondLst>
-                        <p:cond delay="indefinite"/>
-                      </p:stCondLst>
-                      <p:childTnLst>
-                        <p:par>
-                          <p:cTn id="64" fill="hold">
-                            <p:stCondLst>
-                              <p:cond delay="0"/>
-                            </p:stCondLst>
-                            <p:childTnLst>
-                              <p:par>
-                                <p:cTn id="65" presetID="1" presetClass="entr" presetSubtype="0" fill="hold" grpId="0" nodeType="clickEffect">
-                                  <p:stCondLst>
-                                    <p:cond delay="0"/>
-                                  </p:stCondLst>
-                                  <p:childTnLst>
-                                    <p:set>
-                                      <p:cBhvr>
-                                        <p:cTn id="66" dur="1" fill="hold">
-                                          <p:stCondLst>
-                                            <p:cond delay="0"/>
-                                          </p:stCondLst>
-                                        </p:cTn>
-                                        <p:tgtEl>
-                                          <p:spTgt spid="56"/>
-                                        </p:tgtEl>
-                                        <p:attrNameLst>
-                                          <p:attrName>style.visibility</p:attrName>
-                                        </p:attrNameLst>
-                                      </p:cBhvr>
-                                      <p:to>
-                                        <p:strVal val="visible"/>
-                                      </p:to>
-                                    </p:set>
-                                  </p:childTnLst>
-                                </p:cTn>
-                              </p:par>
-                            </p:childTnLst>
-                          </p:cTn>
-                        </p:par>
-                      </p:childTnLst>
-                    </p:cTn>
-                  </p:par>
-                  <p:par>
-                    <p:cTn id="67" fill="hold">
-                      <p:stCondLst>
-                        <p:cond delay="indefinite"/>
-                      </p:stCondLst>
-                      <p:childTnLst>
-                        <p:par>
-                          <p:cTn id="68" fill="hold">
-                            <p:stCondLst>
-                              <p:cond delay="0"/>
-                            </p:stCondLst>
-                            <p:childTnLst>
-                              <p:par>
-                                <p:cTn id="69" presetID="1" presetClass="entr" presetSubtype="0" fill="hold" grpId="0" nodeType="clickEffect">
-                                  <p:stCondLst>
-                                    <p:cond delay="0"/>
-                                  </p:stCondLst>
-                                  <p:childTnLst>
-                                    <p:set>
-                                      <p:cBhvr>
-                                        <p:cTn id="70" dur="1" fill="hold">
-                                          <p:stCondLst>
-                                            <p:cond delay="0"/>
-                                          </p:stCondLst>
-                                        </p:cTn>
-                                        <p:tgtEl>
-                                          <p:spTgt spid="58"/>
-                                        </p:tgtEl>
-                                        <p:attrNameLst>
-                                          <p:attrName>style.visibility</p:attrName>
-                                        </p:attrNameLst>
-                                      </p:cBhvr>
-                                      <p:to>
-                                        <p:strVal val="visible"/>
-                                      </p:to>
-                                    </p:set>
-                                  </p:childTnLst>
-                                </p:cTn>
-                              </p:par>
-                            </p:childTnLst>
-                          </p:cTn>
-                        </p:par>
-                      </p:childTnLst>
-                    </p:cTn>
-                  </p:par>
-                  <p:par>
-                    <p:cTn id="71" fill="hold">
-                      <p:stCondLst>
-                        <p:cond delay="indefinite"/>
-                      </p:stCondLst>
-                      <p:childTnLst>
-                        <p:par>
-                          <p:cTn id="72" fill="hold">
-                            <p:stCondLst>
-                              <p:cond delay="0"/>
-                            </p:stCondLst>
-                            <p:childTnLst>
-                              <p:par>
-                                <p:cTn id="73" presetID="1" presetClass="entr" presetSubtype="0" fill="hold" grpId="0" nodeType="clickEffect">
-                                  <p:stCondLst>
-                                    <p:cond delay="0"/>
-                                  </p:stCondLst>
-                                  <p:childTnLst>
-                                    <p:set>
-                                      <p:cBhvr>
-                                        <p:cTn id="74" dur="1" fill="hold">
-                                          <p:stCondLst>
-                                            <p:cond delay="0"/>
-                                          </p:stCondLst>
-                                        </p:cTn>
-                                        <p:tgtEl>
-                                          <p:spTgt spid="60"/>
+                                          <p:spTgt spid="20"/>
                                         </p:tgtEl>
                                         <p:attrNameLst>
                                           <p:attrName>style.visibility</p:attrName>
@@ -5854,24 +4190,12 @@
       </p:par>
     </p:tnLst>
     <p:bldLst>
-      <p:bldP spid="13" grpId="0" animBg="1"/>
-      <p:bldP spid="24" grpId="0" animBg="1"/>
-      <p:bldP spid="26" grpId="0" animBg="1"/>
-      <p:bldP spid="27" grpId="0" animBg="1"/>
-      <p:bldP spid="28" grpId="0" animBg="1"/>
-      <p:bldP spid="29" grpId="0" animBg="1"/>
-      <p:bldP spid="30" grpId="0" animBg="1"/>
-      <p:bldP spid="37" grpId="0" animBg="1"/>
-      <p:bldP spid="38" grpId="0" animBg="1"/>
-      <p:bldP spid="46" grpId="0" animBg="1"/>
-      <p:bldP spid="47" grpId="0" animBg="1"/>
-      <p:bldP spid="48" grpId="0" animBg="1"/>
-      <p:bldP spid="50" grpId="0" animBg="1"/>
-      <p:bldP spid="52" grpId="0" animBg="1"/>
-      <p:bldP spid="54" grpId="0" animBg="1"/>
-      <p:bldP spid="56" grpId="0" animBg="1"/>
-      <p:bldP spid="58" grpId="0" animBg="1"/>
-      <p:bldP spid="60" grpId="0" animBg="1"/>
+      <p:bldP spid="23" grpId="0" animBg="1"/>
+      <p:bldP spid="14" grpId="0" animBg="1"/>
+      <p:bldP spid="15" grpId="0" animBg="1"/>
+      <p:bldP spid="17" grpId="0" animBg="1"/>
+      <p:bldP spid="19" grpId="0" animBg="1"/>
+      <p:bldP spid="20" grpId="0" animBg="1"/>
     </p:bldLst>
   </p:timing>
 </p:sld>
@@ -5896,20 +4220,94 @@
       </p:grpSpPr>
       <p:sp>
         <p:nvSpPr>
-          <p:cNvPr id="30" name="Rectangle 29"/>
+          <p:cNvPr id="4" name="Rectangle 3"/>
           <p:cNvSpPr/>
           <p:nvPr/>
         </p:nvSpPr>
         <p:spPr>
           <a:xfrm>
-            <a:off x="703723" y="4175441"/>
-            <a:ext cx="1537214" cy="455880"/>
+            <a:off x="464959" y="1522477"/>
+            <a:ext cx="2692769" cy="4019102"/>
+          </a:xfrm>
+          <a:prstGeom prst="rect">
+            <a:avLst/>
+          </a:prstGeom>
+          <a:gradFill>
+            <a:gsLst>
+              <a:gs pos="0">
+                <a:srgbClr val="FF0000"/>
+              </a:gs>
+              <a:gs pos="42000">
+                <a:schemeClr val="accent6">
+                  <a:lumMod val="60000"/>
+                  <a:lumOff val="40000"/>
+                </a:schemeClr>
+              </a:gs>
+              <a:gs pos="57000">
+                <a:schemeClr val="accent6">
+                  <a:lumMod val="60000"/>
+                  <a:lumOff val="40000"/>
+                </a:schemeClr>
+              </a:gs>
+              <a:gs pos="100000">
+                <a:schemeClr val="bg1">
+                  <a:lumMod val="85000"/>
+                </a:schemeClr>
+              </a:gs>
+            </a:gsLst>
+            <a:lin ang="5400000" scaled="1"/>
+          </a:gradFill>
+          <a:ln>
+            <a:noFill/>
+          </a:ln>
+          <a:effectLst/>
+        </p:spPr>
+        <p:style>
+          <a:lnRef idx="3">
+            <a:schemeClr val="lt1"/>
+          </a:lnRef>
+          <a:fillRef idx="1">
+            <a:schemeClr val="accent3"/>
+          </a:fillRef>
+          <a:effectRef idx="1">
+            <a:schemeClr val="accent3"/>
+          </a:effectRef>
+          <a:fontRef idx="minor">
+            <a:schemeClr val="lt1"/>
+          </a:fontRef>
+        </p:style>
+        <p:txBody>
+          <a:bodyPr rtlCol="0" anchor="ctr"/>
+          <a:lstStyle/>
+          <a:p>
+            <a:pPr algn="ctr"/>
+            <a:endParaRPr lang="en-US" sz="1600" dirty="0">
+              <a:solidFill>
+                <a:schemeClr val="bg1"/>
+              </a:solidFill>
+              <a:latin typeface="Dosis Medium" charset="0"/>
+              <a:ea typeface="Dosis Medium" charset="0"/>
+              <a:cs typeface="Dosis Medium" charset="0"/>
+            </a:endParaRPr>
+          </a:p>
+        </p:txBody>
+      </p:sp>
+      <p:sp>
+        <p:nvSpPr>
+          <p:cNvPr id="7" name="Rectangle 6"/>
+          <p:cNvSpPr/>
+          <p:nvPr/>
+        </p:nvSpPr>
+        <p:spPr>
+          <a:xfrm>
+            <a:off x="3438144" y="1522477"/>
+            <a:ext cx="5242560" cy="1083586"/>
           </a:xfrm>
           <a:prstGeom prst="rect">
             <a:avLst/>
           </a:prstGeom>
           <a:solidFill>
-            <a:srgbClr val="C0504D"/>
+            <a:srgbClr val="FF0000"/>
           </a:solidFill>
           <a:ln>
             <a:noFill/>
@@ -5936,37 +4334,45 @@
           <a:p>
             <a:pPr algn="ctr"/>
             <a:r>
-              <a:rPr lang="en-US" sz="1200" dirty="0" smtClean="0">
+              <a:rPr lang="en-US" sz="1600" dirty="0" smtClean="0">
                 <a:solidFill>
-                  <a:schemeClr val="tx1"/>
+                  <a:schemeClr val="bg1"/>
                 </a:solidFill>
+                <a:latin typeface="Dosis Medium" charset="0"/>
+                <a:ea typeface="Dosis Medium" charset="0"/>
+                <a:cs typeface="Dosis Medium" charset="0"/>
               </a:rPr>
-              <a:t>Order Processing</a:t>
-            </a:r>
-            <a:endParaRPr lang="en-US" sz="1200" dirty="0">
+              <a:t>DIGITAL TRANSFORMATION</a:t>
+            </a:r>
+            <a:endParaRPr lang="en-US" sz="1600" dirty="0">
               <a:solidFill>
                 <a:schemeClr val="bg1"/>
               </a:solidFill>
+              <a:latin typeface="Dosis Medium" charset="0"/>
+              <a:ea typeface="Dosis Medium" charset="0"/>
+              <a:cs typeface="Dosis Medium" charset="0"/>
             </a:endParaRPr>
           </a:p>
         </p:txBody>
       </p:sp>
       <p:sp>
         <p:nvSpPr>
-          <p:cNvPr id="37" name="Rectangle 36"/>
+          <p:cNvPr id="8" name="Rectangle 7"/>
           <p:cNvSpPr/>
           <p:nvPr/>
         </p:nvSpPr>
         <p:spPr>
           <a:xfrm>
-            <a:off x="2732900" y="5597697"/>
-            <a:ext cx="1433117" cy="455880"/>
+            <a:off x="3438144" y="4437888"/>
+            <a:ext cx="5242560" cy="1057737"/>
           </a:xfrm>
           <a:prstGeom prst="rect">
             <a:avLst/>
           </a:prstGeom>
           <a:solidFill>
-            <a:srgbClr val="C0504D"/>
+            <a:schemeClr val="bg1">
+              <a:lumMod val="65000"/>
+            </a:schemeClr>
           </a:solidFill>
           <a:ln>
             <a:noFill/>
@@ -5993,145 +4399,37 @@
           <a:p>
             <a:pPr algn="ctr"/>
             <a:r>
-              <a:rPr lang="en-US" sz="1200" dirty="0" smtClean="0">
+              <a:rPr lang="en-US" sz="1600" dirty="0" smtClean="0">
                 <a:solidFill>
-                  <a:schemeClr val="tx1"/>
+                  <a:schemeClr val="bg1"/>
                 </a:solidFill>
+                <a:latin typeface="Dosis Medium" charset="0"/>
+                <a:ea typeface="Dosis Medium" charset="0"/>
+                <a:cs typeface="Dosis Medium" charset="0"/>
               </a:rPr>
-              <a:t>Order Tracking</a:t>
-            </a:r>
-            <a:endParaRPr lang="en-US" sz="1200" dirty="0">
+              <a:t>DIGITAL COMPETENCE </a:t>
+            </a:r>
+            <a:endParaRPr lang="en-US" sz="1600" dirty="0">
               <a:solidFill>
                 <a:schemeClr val="bg1"/>
               </a:solidFill>
+              <a:latin typeface="Dosis Medium" charset="0"/>
+              <a:ea typeface="Dosis Medium" charset="0"/>
+              <a:cs typeface="Dosis Medium" charset="0"/>
             </a:endParaRPr>
           </a:p>
         </p:txBody>
       </p:sp>
       <p:sp>
         <p:nvSpPr>
-          <p:cNvPr id="38" name="Rectangle 37"/>
+          <p:cNvPr id="10" name="Rectangle 9"/>
           <p:cNvSpPr/>
           <p:nvPr/>
         </p:nvSpPr>
         <p:spPr>
           <a:xfrm>
-            <a:off x="6932901" y="5313333"/>
-            <a:ext cx="1433117" cy="499266"/>
-          </a:xfrm>
-          <a:prstGeom prst="rect">
-            <a:avLst/>
-          </a:prstGeom>
-          <a:solidFill>
-            <a:srgbClr val="C0504D"/>
-          </a:solidFill>
-          <a:ln>
-            <a:noFill/>
-          </a:ln>
-          <a:effectLst/>
-        </p:spPr>
-        <p:style>
-          <a:lnRef idx="3">
-            <a:schemeClr val="lt1"/>
-          </a:lnRef>
-          <a:fillRef idx="1">
-            <a:schemeClr val="accent3"/>
-          </a:fillRef>
-          <a:effectRef idx="1">
-            <a:schemeClr val="accent3"/>
-          </a:effectRef>
-          <a:fontRef idx="minor">
-            <a:schemeClr val="lt1"/>
-          </a:fontRef>
-        </p:style>
-        <p:txBody>
-          <a:bodyPr rtlCol="0" anchor="ctr"/>
-          <a:lstStyle/>
-          <a:p>
-            <a:pPr algn="ctr"/>
-            <a:r>
-              <a:rPr lang="en-US" sz="1200" dirty="0" smtClean="0">
-                <a:solidFill>
-                  <a:schemeClr val="tx1"/>
-                </a:solidFill>
-              </a:rPr>
-              <a:t>Supplier Update</a:t>
-            </a:r>
-            <a:endParaRPr lang="en-US" sz="1200" dirty="0">
-              <a:solidFill>
-                <a:schemeClr val="bg1"/>
-              </a:solidFill>
-            </a:endParaRPr>
-          </a:p>
-        </p:txBody>
-      </p:sp>
-      <p:sp>
-        <p:nvSpPr>
-          <p:cNvPr id="46" name="Rectangle 45"/>
-          <p:cNvSpPr/>
-          <p:nvPr/>
-        </p:nvSpPr>
-        <p:spPr>
-          <a:xfrm>
-            <a:off x="4756666" y="4240790"/>
-            <a:ext cx="1433117" cy="475653"/>
-          </a:xfrm>
-          <a:prstGeom prst="rect">
-            <a:avLst/>
-          </a:prstGeom>
-          <a:solidFill>
-            <a:srgbClr val="C0504D"/>
-          </a:solidFill>
-          <a:ln>
-            <a:noFill/>
-          </a:ln>
-          <a:effectLst/>
-        </p:spPr>
-        <p:style>
-          <a:lnRef idx="3">
-            <a:schemeClr val="lt1"/>
-          </a:lnRef>
-          <a:fillRef idx="1">
-            <a:schemeClr val="accent3"/>
-          </a:fillRef>
-          <a:effectRef idx="1">
-            <a:schemeClr val="accent3"/>
-          </a:effectRef>
-          <a:fontRef idx="minor">
-            <a:schemeClr val="lt1"/>
-          </a:fontRef>
-        </p:style>
-        <p:txBody>
-          <a:bodyPr rtlCol="0" anchor="ctr"/>
-          <a:lstStyle/>
-          <a:p>
-            <a:pPr algn="ctr"/>
-            <a:r>
-              <a:rPr lang="en-US" sz="1200" dirty="0" smtClean="0">
-                <a:solidFill>
-                  <a:schemeClr val="tx1"/>
-                </a:solidFill>
-              </a:rPr>
-              <a:t>Reporting</a:t>
-            </a:r>
-            <a:endParaRPr lang="en-US" sz="1200" dirty="0">
-              <a:solidFill>
-                <a:schemeClr val="bg1"/>
-              </a:solidFill>
-            </a:endParaRPr>
-          </a:p>
-        </p:txBody>
-      </p:sp>
-      <p:sp>
-        <p:nvSpPr>
-          <p:cNvPr id="48" name="Rectangle 47"/>
-          <p:cNvSpPr/>
-          <p:nvPr/>
-        </p:nvSpPr>
-        <p:spPr>
-          <a:xfrm>
-            <a:off x="924380" y="571501"/>
-            <a:ext cx="7069180" cy="849365"/>
+            <a:off x="3438144" y="3026355"/>
+            <a:ext cx="5242560" cy="991241"/>
           </a:xfrm>
           <a:prstGeom prst="rect">
             <a:avLst/>
@@ -6164,980 +4462,37 @@
           <a:p>
             <a:pPr algn="ctr"/>
             <a:r>
-              <a:rPr lang="en-US" sz="1600" i="1" dirty="0" smtClean="0">
+              <a:rPr lang="en-US" sz="1600" dirty="0" smtClean="0">
                 <a:solidFill>
                   <a:schemeClr val="bg1"/>
                 </a:solidFill>
+                <a:latin typeface="Dosis Medium" charset="0"/>
+                <a:ea typeface="Dosis Medium" charset="0"/>
+                <a:cs typeface="Dosis Medium" charset="0"/>
               </a:rPr>
-              <a:t>Single App</a:t>
-            </a:r>
-            <a:endParaRPr lang="en-US" sz="1600" i="1" dirty="0">
+              <a:t>DIGITAL LITERACY</a:t>
+            </a:r>
+            <a:endParaRPr lang="en-US" sz="1600" dirty="0">
               <a:solidFill>
                 <a:schemeClr val="bg1"/>
               </a:solidFill>
+              <a:latin typeface="Dosis Medium" charset="0"/>
+              <a:ea typeface="Dosis Medium" charset="0"/>
+              <a:cs typeface="Dosis Medium" charset="0"/>
             </a:endParaRPr>
           </a:p>
         </p:txBody>
       </p:sp>
       <p:sp>
         <p:nvSpPr>
-          <p:cNvPr id="34" name="Rectangle 33"/>
-          <p:cNvSpPr/>
+          <p:cNvPr id="11" name="TextBox 10"/>
+          <p:cNvSpPr txBox="1"/>
           <p:nvPr/>
         </p:nvSpPr>
         <p:spPr>
           <a:xfrm>
-            <a:off x="1304390" y="1996050"/>
-            <a:ext cx="840215" cy="251511"/>
-          </a:xfrm>
-          <a:prstGeom prst="rect">
-            <a:avLst/>
-          </a:prstGeom>
-          <a:solidFill>
-            <a:schemeClr val="tx2">
-              <a:lumMod val="40000"/>
-              <a:lumOff val="60000"/>
-            </a:schemeClr>
-          </a:solidFill>
-          <a:ln>
-            <a:noFill/>
-          </a:ln>
-          <a:effectLst/>
-        </p:spPr>
-        <p:style>
-          <a:lnRef idx="3">
-            <a:schemeClr val="lt1"/>
-          </a:lnRef>
-          <a:fillRef idx="1">
-            <a:schemeClr val="accent3"/>
-          </a:fillRef>
-          <a:effectRef idx="1">
-            <a:schemeClr val="accent3"/>
-          </a:effectRef>
-          <a:fontRef idx="minor">
-            <a:schemeClr val="lt1"/>
-          </a:fontRef>
-        </p:style>
-        <p:txBody>
-          <a:bodyPr rtlCol="0" anchor="ctr"/>
-          <a:lstStyle/>
-          <a:p>
-            <a:pPr algn="ctr"/>
-            <a:r>
-              <a:rPr lang="en-US" i="1" smtClean="0"/>
-              <a:t>sql</a:t>
-            </a:r>
-            <a:endParaRPr lang="en-US" dirty="0">
-              <a:solidFill>
-                <a:schemeClr val="bg1"/>
-              </a:solidFill>
-            </a:endParaRPr>
-          </a:p>
-        </p:txBody>
-      </p:sp>
-      <p:sp>
-        <p:nvSpPr>
-          <p:cNvPr id="41" name="Rectangle 40"/>
-          <p:cNvSpPr/>
-          <p:nvPr/>
-        </p:nvSpPr>
-        <p:spPr>
-          <a:xfrm>
-            <a:off x="2322422" y="1996049"/>
-            <a:ext cx="1595240" cy="251512"/>
-          </a:xfrm>
-          <a:prstGeom prst="rect">
-            <a:avLst/>
-          </a:prstGeom>
-          <a:solidFill>
-            <a:schemeClr val="tx2">
-              <a:lumMod val="40000"/>
-              <a:lumOff val="60000"/>
-            </a:schemeClr>
-          </a:solidFill>
-          <a:ln>
-            <a:noFill/>
-          </a:ln>
-          <a:effectLst/>
-        </p:spPr>
-        <p:style>
-          <a:lnRef idx="3">
-            <a:schemeClr val="lt1"/>
-          </a:lnRef>
-          <a:fillRef idx="1">
-            <a:schemeClr val="accent3"/>
-          </a:fillRef>
-          <a:effectRef idx="1">
-            <a:schemeClr val="accent3"/>
-          </a:effectRef>
-          <a:fontRef idx="minor">
-            <a:schemeClr val="lt1"/>
-          </a:fontRef>
-        </p:style>
-        <p:txBody>
-          <a:bodyPr rtlCol="0" anchor="ctr"/>
-          <a:lstStyle/>
-          <a:p>
-            <a:pPr algn="ctr"/>
-            <a:r>
-              <a:rPr lang="en-US" i="1" dirty="0" smtClean="0"/>
-              <a:t>mainframe</a:t>
-            </a:r>
-            <a:endParaRPr lang="en-US" dirty="0">
-              <a:solidFill>
-                <a:schemeClr val="bg1"/>
-              </a:solidFill>
-            </a:endParaRPr>
-          </a:p>
-        </p:txBody>
-      </p:sp>
-      <p:sp>
-        <p:nvSpPr>
-          <p:cNvPr id="42" name="Rectangle 41"/>
-          <p:cNvSpPr/>
-          <p:nvPr/>
-        </p:nvSpPr>
-        <p:spPr>
-          <a:xfrm>
-            <a:off x="4594543" y="2009266"/>
-            <a:ext cx="1595240" cy="251512"/>
-          </a:xfrm>
-          <a:prstGeom prst="rect">
-            <a:avLst/>
-          </a:prstGeom>
-          <a:solidFill>
-            <a:schemeClr val="tx2">
-              <a:lumMod val="40000"/>
-              <a:lumOff val="60000"/>
-            </a:schemeClr>
-          </a:solidFill>
-          <a:ln>
-            <a:noFill/>
-          </a:ln>
-          <a:effectLst/>
-        </p:spPr>
-        <p:style>
-          <a:lnRef idx="3">
-            <a:schemeClr val="lt1"/>
-          </a:lnRef>
-          <a:fillRef idx="1">
-            <a:schemeClr val="accent3"/>
-          </a:fillRef>
-          <a:effectRef idx="1">
-            <a:schemeClr val="accent3"/>
-          </a:effectRef>
-          <a:fontRef idx="minor">
-            <a:schemeClr val="lt1"/>
-          </a:fontRef>
-        </p:style>
-        <p:txBody>
-          <a:bodyPr rtlCol="0" anchor="ctr"/>
-          <a:lstStyle/>
-          <a:p>
-            <a:pPr algn="ctr"/>
-            <a:r>
-              <a:rPr lang="en-US" i="1" dirty="0" smtClean="0"/>
-              <a:t>webservices</a:t>
-            </a:r>
-            <a:endParaRPr lang="en-US" dirty="0">
-              <a:solidFill>
-                <a:schemeClr val="bg1"/>
-              </a:solidFill>
-            </a:endParaRPr>
-          </a:p>
-        </p:txBody>
-      </p:sp>
-      <p:sp>
-        <p:nvSpPr>
-          <p:cNvPr id="43" name="Rectangle 42"/>
-          <p:cNvSpPr/>
-          <p:nvPr/>
-        </p:nvSpPr>
-        <p:spPr>
-          <a:xfrm>
-            <a:off x="6370181" y="1991208"/>
-            <a:ext cx="1595240" cy="251512"/>
-          </a:xfrm>
-          <a:prstGeom prst="rect">
-            <a:avLst/>
-          </a:prstGeom>
-          <a:solidFill>
-            <a:schemeClr val="tx2">
-              <a:lumMod val="40000"/>
-              <a:lumOff val="60000"/>
-            </a:schemeClr>
-          </a:solidFill>
-          <a:ln>
-            <a:noFill/>
-          </a:ln>
-          <a:effectLst/>
-        </p:spPr>
-        <p:style>
-          <a:lnRef idx="3">
-            <a:schemeClr val="lt1"/>
-          </a:lnRef>
-          <a:fillRef idx="1">
-            <a:schemeClr val="accent3"/>
-          </a:fillRef>
-          <a:effectRef idx="1">
-            <a:schemeClr val="accent3"/>
-          </a:effectRef>
-          <a:fontRef idx="minor">
-            <a:schemeClr val="lt1"/>
-          </a:fontRef>
-        </p:style>
-        <p:txBody>
-          <a:bodyPr rtlCol="0" anchor="ctr"/>
-          <a:lstStyle/>
-          <a:p>
-            <a:pPr algn="ctr"/>
-            <a:r>
-              <a:rPr lang="en-US" i="1" dirty="0" smtClean="0"/>
-              <a:t>sass apps</a:t>
-            </a:r>
-            <a:endParaRPr lang="en-US" dirty="0">
-              <a:solidFill>
-                <a:schemeClr val="bg1"/>
-              </a:solidFill>
-            </a:endParaRPr>
-          </a:p>
-        </p:txBody>
-      </p:sp>
-      <p:cxnSp>
-        <p:nvCxnSpPr>
-          <p:cNvPr id="9" name="Straight Arrow Connector 8"/>
-          <p:cNvCxnSpPr/>
-          <p:nvPr/>
-        </p:nvCxnSpPr>
-        <p:spPr>
-          <a:xfrm>
-            <a:off x="1755648" y="1420866"/>
-            <a:ext cx="0" cy="570342"/>
-          </a:xfrm>
-          <a:prstGeom prst="straightConnector1">
-            <a:avLst/>
-          </a:prstGeom>
-          <a:ln>
-            <a:tailEnd type="triangle"/>
-          </a:ln>
-        </p:spPr>
-        <p:style>
-          <a:lnRef idx="2">
-            <a:schemeClr val="accent1"/>
-          </a:lnRef>
-          <a:fillRef idx="0">
-            <a:schemeClr val="accent1"/>
-          </a:fillRef>
-          <a:effectRef idx="1">
-            <a:schemeClr val="accent1"/>
-          </a:effectRef>
-          <a:fontRef idx="minor">
-            <a:schemeClr val="tx1"/>
-          </a:fontRef>
-        </p:style>
-      </p:cxnSp>
-      <p:cxnSp>
-        <p:nvCxnSpPr>
-          <p:cNvPr id="45" name="Straight Arrow Connector 44"/>
-          <p:cNvCxnSpPr/>
-          <p:nvPr/>
-        </p:nvCxnSpPr>
-        <p:spPr>
-          <a:xfrm>
-            <a:off x="3139440" y="1420866"/>
-            <a:ext cx="0" cy="570342"/>
-          </a:xfrm>
-          <a:prstGeom prst="straightConnector1">
-            <a:avLst/>
-          </a:prstGeom>
-          <a:ln>
-            <a:tailEnd type="triangle"/>
-          </a:ln>
-        </p:spPr>
-        <p:style>
-          <a:lnRef idx="2">
-            <a:schemeClr val="accent1"/>
-          </a:lnRef>
-          <a:fillRef idx="0">
-            <a:schemeClr val="accent1"/>
-          </a:fillRef>
-          <a:effectRef idx="1">
-            <a:schemeClr val="accent1"/>
-          </a:effectRef>
-          <a:fontRef idx="minor">
-            <a:schemeClr val="tx1"/>
-          </a:fontRef>
-        </p:style>
-      </p:cxnSp>
-      <p:cxnSp>
-        <p:nvCxnSpPr>
-          <p:cNvPr id="61" name="Straight Arrow Connector 60"/>
-          <p:cNvCxnSpPr/>
-          <p:nvPr/>
-        </p:nvCxnSpPr>
-        <p:spPr>
-          <a:xfrm>
-            <a:off x="5861664" y="1420866"/>
-            <a:ext cx="0" cy="570342"/>
-          </a:xfrm>
-          <a:prstGeom prst="straightConnector1">
-            <a:avLst/>
-          </a:prstGeom>
-          <a:ln>
-            <a:tailEnd type="triangle"/>
-          </a:ln>
-        </p:spPr>
-        <p:style>
-          <a:lnRef idx="2">
-            <a:schemeClr val="accent1"/>
-          </a:lnRef>
-          <a:fillRef idx="0">
-            <a:schemeClr val="accent1"/>
-          </a:fillRef>
-          <a:effectRef idx="1">
-            <a:schemeClr val="accent1"/>
-          </a:effectRef>
-          <a:fontRef idx="minor">
-            <a:schemeClr val="tx1"/>
-          </a:fontRef>
-        </p:style>
-      </p:cxnSp>
-      <p:cxnSp>
-        <p:nvCxnSpPr>
-          <p:cNvPr id="62" name="Straight Arrow Connector 61"/>
-          <p:cNvCxnSpPr/>
-          <p:nvPr/>
-        </p:nvCxnSpPr>
-        <p:spPr>
-          <a:xfrm>
-            <a:off x="7153345" y="1420866"/>
-            <a:ext cx="0" cy="570342"/>
-          </a:xfrm>
-          <a:prstGeom prst="straightConnector1">
-            <a:avLst/>
-          </a:prstGeom>
-          <a:ln>
-            <a:tailEnd type="triangle"/>
-          </a:ln>
-        </p:spPr>
-        <p:style>
-          <a:lnRef idx="2">
-            <a:schemeClr val="accent1"/>
-          </a:lnRef>
-          <a:fillRef idx="0">
-            <a:schemeClr val="accent1"/>
-          </a:fillRef>
-          <a:effectRef idx="1">
-            <a:schemeClr val="accent1"/>
-          </a:effectRef>
-          <a:fontRef idx="minor">
-            <a:schemeClr val="tx1"/>
-          </a:fontRef>
-        </p:style>
-      </p:cxnSp>
-      <p:sp>
-        <p:nvSpPr>
-          <p:cNvPr id="63" name="Rectangle 62"/>
-          <p:cNvSpPr/>
-          <p:nvPr/>
-        </p:nvSpPr>
-        <p:spPr>
-          <a:xfrm>
-            <a:off x="1127572" y="755904"/>
-            <a:ext cx="1017033" cy="499841"/>
-          </a:xfrm>
-          <a:prstGeom prst="rect">
-            <a:avLst/>
-          </a:prstGeom>
-          <a:solidFill>
-            <a:srgbClr val="C0504D"/>
-          </a:solidFill>
-          <a:ln>
-            <a:noFill/>
-          </a:ln>
-          <a:effectLst/>
-        </p:spPr>
-        <p:style>
-          <a:lnRef idx="3">
-            <a:schemeClr val="lt1"/>
-          </a:lnRef>
-          <a:fillRef idx="1">
-            <a:schemeClr val="accent3"/>
-          </a:fillRef>
-          <a:effectRef idx="1">
-            <a:schemeClr val="accent3"/>
-          </a:effectRef>
-          <a:fontRef idx="minor">
-            <a:schemeClr val="lt1"/>
-          </a:fontRef>
-        </p:style>
-        <p:txBody>
-          <a:bodyPr rtlCol="0" anchor="ctr"/>
-          <a:lstStyle/>
-          <a:p>
-            <a:pPr algn="ctr"/>
-            <a:r>
-              <a:rPr lang="en-US" sz="1200" dirty="0" smtClean="0">
-                <a:solidFill>
-                  <a:schemeClr val="tx1"/>
-                </a:solidFill>
-              </a:rPr>
-              <a:t>Order Processing</a:t>
-            </a:r>
-            <a:endParaRPr lang="en-US" sz="1200" dirty="0">
-              <a:solidFill>
-                <a:schemeClr val="bg1"/>
-              </a:solidFill>
-            </a:endParaRPr>
-          </a:p>
-        </p:txBody>
-      </p:sp>
-      <p:sp>
-        <p:nvSpPr>
-          <p:cNvPr id="64" name="Rectangle 63"/>
-          <p:cNvSpPr/>
-          <p:nvPr/>
-        </p:nvSpPr>
-        <p:spPr>
-          <a:xfrm>
-            <a:off x="2522625" y="746263"/>
-            <a:ext cx="1017033" cy="499841"/>
-          </a:xfrm>
-          <a:prstGeom prst="rect">
-            <a:avLst/>
-          </a:prstGeom>
-          <a:solidFill>
-            <a:srgbClr val="C0504D"/>
-          </a:solidFill>
-          <a:ln>
-            <a:noFill/>
-          </a:ln>
-          <a:effectLst/>
-        </p:spPr>
-        <p:style>
-          <a:lnRef idx="3">
-            <a:schemeClr val="lt1"/>
-          </a:lnRef>
-          <a:fillRef idx="1">
-            <a:schemeClr val="accent3"/>
-          </a:fillRef>
-          <a:effectRef idx="1">
-            <a:schemeClr val="accent3"/>
-          </a:effectRef>
-          <a:fontRef idx="minor">
-            <a:schemeClr val="lt1"/>
-          </a:fontRef>
-        </p:style>
-        <p:txBody>
-          <a:bodyPr rtlCol="0" anchor="ctr"/>
-          <a:lstStyle/>
-          <a:p>
-            <a:pPr algn="ctr"/>
-            <a:r>
-              <a:rPr lang="en-US" sz="1200" dirty="0" smtClean="0">
-                <a:solidFill>
-                  <a:schemeClr val="tx1"/>
-                </a:solidFill>
-              </a:rPr>
-              <a:t>Order Tracking</a:t>
-            </a:r>
-            <a:endParaRPr lang="en-US" sz="1200" dirty="0">
-              <a:solidFill>
-                <a:schemeClr val="bg1"/>
-              </a:solidFill>
-            </a:endParaRPr>
-          </a:p>
-        </p:txBody>
-      </p:sp>
-      <p:sp>
-        <p:nvSpPr>
-          <p:cNvPr id="65" name="Rectangle 64"/>
-          <p:cNvSpPr/>
-          <p:nvPr/>
-        </p:nvSpPr>
-        <p:spPr>
-          <a:xfrm>
-            <a:off x="5353148" y="755904"/>
-            <a:ext cx="1017033" cy="499841"/>
-          </a:xfrm>
-          <a:prstGeom prst="rect">
-            <a:avLst/>
-          </a:prstGeom>
-          <a:solidFill>
-            <a:srgbClr val="C0504D"/>
-          </a:solidFill>
-          <a:ln>
-            <a:noFill/>
-          </a:ln>
-          <a:effectLst/>
-        </p:spPr>
-        <p:style>
-          <a:lnRef idx="3">
-            <a:schemeClr val="lt1"/>
-          </a:lnRef>
-          <a:fillRef idx="1">
-            <a:schemeClr val="accent3"/>
-          </a:fillRef>
-          <a:effectRef idx="1">
-            <a:schemeClr val="accent3"/>
-          </a:effectRef>
-          <a:fontRef idx="minor">
-            <a:schemeClr val="lt1"/>
-          </a:fontRef>
-        </p:style>
-        <p:txBody>
-          <a:bodyPr rtlCol="0" anchor="ctr"/>
-          <a:lstStyle/>
-          <a:p>
-            <a:pPr algn="ctr"/>
-            <a:r>
-              <a:rPr lang="en-US" sz="1200" dirty="0" smtClean="0">
-                <a:solidFill>
-                  <a:schemeClr val="tx1"/>
-                </a:solidFill>
-              </a:rPr>
-              <a:t>Supplier Update</a:t>
-            </a:r>
-            <a:endParaRPr lang="en-US" sz="1200" dirty="0">
-              <a:solidFill>
-                <a:schemeClr val="bg1"/>
-              </a:solidFill>
-            </a:endParaRPr>
-          </a:p>
-        </p:txBody>
-      </p:sp>
-      <p:sp>
-        <p:nvSpPr>
-          <p:cNvPr id="66" name="Rectangle 65"/>
-          <p:cNvSpPr/>
-          <p:nvPr/>
-        </p:nvSpPr>
-        <p:spPr>
-          <a:xfrm>
-            <a:off x="6722626" y="755904"/>
-            <a:ext cx="1017033" cy="499841"/>
-          </a:xfrm>
-          <a:prstGeom prst="rect">
-            <a:avLst/>
-          </a:prstGeom>
-          <a:solidFill>
-            <a:srgbClr val="C0504D"/>
-          </a:solidFill>
-          <a:ln>
-            <a:noFill/>
-          </a:ln>
-          <a:effectLst/>
-        </p:spPr>
-        <p:style>
-          <a:lnRef idx="3">
-            <a:schemeClr val="lt1"/>
-          </a:lnRef>
-          <a:fillRef idx="1">
-            <a:schemeClr val="accent3"/>
-          </a:fillRef>
-          <a:effectRef idx="1">
-            <a:schemeClr val="accent3"/>
-          </a:effectRef>
-          <a:fontRef idx="minor">
-            <a:schemeClr val="lt1"/>
-          </a:fontRef>
-        </p:style>
-        <p:txBody>
-          <a:bodyPr rtlCol="0" anchor="ctr"/>
-          <a:lstStyle/>
-          <a:p>
-            <a:pPr algn="ctr"/>
-            <a:r>
-              <a:rPr lang="en-US" sz="1200" dirty="0" smtClean="0">
-                <a:solidFill>
-                  <a:schemeClr val="tx1"/>
-                </a:solidFill>
-              </a:rPr>
-              <a:t>Reporting</a:t>
-            </a:r>
-            <a:endParaRPr lang="en-US" sz="1200" dirty="0">
-              <a:solidFill>
-                <a:schemeClr val="bg1"/>
-              </a:solidFill>
-            </a:endParaRPr>
-          </a:p>
-        </p:txBody>
-      </p:sp>
-      <p:sp>
-        <p:nvSpPr>
-          <p:cNvPr id="67" name="Rectangle 66"/>
-          <p:cNvSpPr/>
-          <p:nvPr/>
-        </p:nvSpPr>
-        <p:spPr>
-          <a:xfrm>
-            <a:off x="703723" y="4631321"/>
-            <a:ext cx="1537214" cy="279362"/>
-          </a:xfrm>
-          <a:prstGeom prst="rect">
-            <a:avLst/>
-          </a:prstGeom>
-          <a:solidFill>
-            <a:schemeClr val="tx2">
-              <a:lumMod val="40000"/>
-              <a:lumOff val="60000"/>
-            </a:schemeClr>
-          </a:solidFill>
-          <a:ln>
-            <a:noFill/>
-          </a:ln>
-          <a:effectLst/>
-        </p:spPr>
-        <p:style>
-          <a:lnRef idx="3">
-            <a:schemeClr val="lt1"/>
-          </a:lnRef>
-          <a:fillRef idx="1">
-            <a:schemeClr val="accent3"/>
-          </a:fillRef>
-          <a:effectRef idx="1">
-            <a:schemeClr val="accent3"/>
-          </a:effectRef>
-          <a:fontRef idx="minor">
-            <a:schemeClr val="lt1"/>
-          </a:fontRef>
-        </p:style>
-        <p:txBody>
-          <a:bodyPr rtlCol="0" anchor="ctr"/>
-          <a:lstStyle/>
-          <a:p>
-            <a:pPr algn="ctr"/>
-            <a:r>
-              <a:rPr lang="en-US" i="1" smtClean="0"/>
-              <a:t>sql</a:t>
-            </a:r>
-            <a:endParaRPr lang="en-US" dirty="0">
-              <a:solidFill>
-                <a:schemeClr val="bg1"/>
-              </a:solidFill>
-            </a:endParaRPr>
-          </a:p>
-        </p:txBody>
-      </p:sp>
-      <p:sp>
-        <p:nvSpPr>
-          <p:cNvPr id="68" name="Rectangle 67"/>
-          <p:cNvSpPr/>
-          <p:nvPr/>
-        </p:nvSpPr>
-        <p:spPr>
-          <a:xfrm>
-            <a:off x="2732901" y="6053576"/>
-            <a:ext cx="1435160" cy="322839"/>
-          </a:xfrm>
-          <a:prstGeom prst="rect">
-            <a:avLst/>
-          </a:prstGeom>
-          <a:solidFill>
-            <a:schemeClr val="tx2">
-              <a:lumMod val="40000"/>
-              <a:lumOff val="60000"/>
-            </a:schemeClr>
-          </a:solidFill>
-          <a:ln>
-            <a:noFill/>
-          </a:ln>
-          <a:effectLst/>
-        </p:spPr>
-        <p:style>
-          <a:lnRef idx="3">
-            <a:schemeClr val="lt1"/>
-          </a:lnRef>
-          <a:fillRef idx="1">
-            <a:schemeClr val="accent3"/>
-          </a:fillRef>
-          <a:effectRef idx="1">
-            <a:schemeClr val="accent3"/>
-          </a:effectRef>
-          <a:fontRef idx="minor">
-            <a:schemeClr val="lt1"/>
-          </a:fontRef>
-        </p:style>
-        <p:txBody>
-          <a:bodyPr rtlCol="0" anchor="ctr"/>
-          <a:lstStyle/>
-          <a:p>
-            <a:pPr algn="ctr"/>
-            <a:r>
-              <a:rPr lang="en-US" i="1" dirty="0" smtClean="0"/>
-              <a:t>mainframe</a:t>
-            </a:r>
-            <a:endParaRPr lang="en-US" dirty="0">
-              <a:solidFill>
-                <a:schemeClr val="bg1"/>
-              </a:solidFill>
-            </a:endParaRPr>
-          </a:p>
-        </p:txBody>
-      </p:sp>
-      <p:sp>
-        <p:nvSpPr>
-          <p:cNvPr id="69" name="Rectangle 68"/>
-          <p:cNvSpPr/>
-          <p:nvPr/>
-        </p:nvSpPr>
-        <p:spPr>
-          <a:xfrm>
-            <a:off x="6937698" y="5802065"/>
-            <a:ext cx="1428320" cy="251511"/>
-          </a:xfrm>
-          <a:prstGeom prst="rect">
-            <a:avLst/>
-          </a:prstGeom>
-          <a:solidFill>
-            <a:schemeClr val="tx2">
-              <a:lumMod val="40000"/>
-              <a:lumOff val="60000"/>
-            </a:schemeClr>
-          </a:solidFill>
-          <a:ln>
-            <a:noFill/>
-          </a:ln>
-          <a:effectLst/>
-        </p:spPr>
-        <p:style>
-          <a:lnRef idx="3">
-            <a:schemeClr val="lt1"/>
-          </a:lnRef>
-          <a:fillRef idx="1">
-            <a:schemeClr val="accent3"/>
-          </a:fillRef>
-          <a:effectRef idx="1">
-            <a:schemeClr val="accent3"/>
-          </a:effectRef>
-          <a:fontRef idx="minor">
-            <a:schemeClr val="lt1"/>
-          </a:fontRef>
-        </p:style>
-        <p:txBody>
-          <a:bodyPr rtlCol="0" anchor="ctr"/>
-          <a:lstStyle/>
-          <a:p>
-            <a:pPr algn="ctr"/>
-            <a:r>
-              <a:rPr lang="en-US" i="1" dirty="0" smtClean="0"/>
-              <a:t>webservices</a:t>
-            </a:r>
-            <a:endParaRPr lang="en-US" dirty="0">
-              <a:solidFill>
-                <a:schemeClr val="bg1"/>
-              </a:solidFill>
-            </a:endParaRPr>
-          </a:p>
-        </p:txBody>
-      </p:sp>
-      <p:sp>
-        <p:nvSpPr>
-          <p:cNvPr id="70" name="Rectangle 69"/>
-          <p:cNvSpPr/>
-          <p:nvPr/>
-        </p:nvSpPr>
-        <p:spPr>
-          <a:xfrm>
-            <a:off x="4756665" y="4705909"/>
-            <a:ext cx="1433117" cy="259333"/>
-          </a:xfrm>
-          <a:prstGeom prst="rect">
-            <a:avLst/>
-          </a:prstGeom>
-          <a:solidFill>
-            <a:schemeClr val="tx2">
-              <a:lumMod val="40000"/>
-              <a:lumOff val="60000"/>
-            </a:schemeClr>
-          </a:solidFill>
-          <a:ln>
-            <a:noFill/>
-          </a:ln>
-          <a:effectLst/>
-        </p:spPr>
-        <p:style>
-          <a:lnRef idx="3">
-            <a:schemeClr val="lt1"/>
-          </a:lnRef>
-          <a:fillRef idx="1">
-            <a:schemeClr val="accent3"/>
-          </a:fillRef>
-          <a:effectRef idx="1">
-            <a:schemeClr val="accent3"/>
-          </a:effectRef>
-          <a:fontRef idx="minor">
-            <a:schemeClr val="lt1"/>
-          </a:fontRef>
-        </p:style>
-        <p:txBody>
-          <a:bodyPr rtlCol="0" anchor="ctr"/>
-          <a:lstStyle/>
-          <a:p>
-            <a:pPr algn="ctr"/>
-            <a:r>
-              <a:rPr lang="en-US" i="1" dirty="0" smtClean="0"/>
-              <a:t>sass apps</a:t>
-            </a:r>
-            <a:endParaRPr lang="en-US" dirty="0">
-              <a:solidFill>
-                <a:schemeClr val="bg1"/>
-              </a:solidFill>
-            </a:endParaRPr>
-          </a:p>
-        </p:txBody>
-      </p:sp>
-      <p:cxnSp>
-        <p:nvCxnSpPr>
-          <p:cNvPr id="16" name="Straight Arrow Connector 15"/>
-          <p:cNvCxnSpPr>
-            <a:stCxn id="30" idx="3"/>
-            <a:endCxn id="46" idx="1"/>
-          </p:cNvCxnSpPr>
-          <p:nvPr/>
-        </p:nvCxnSpPr>
-        <p:spPr>
-          <a:xfrm>
-            <a:off x="2240937" y="4403381"/>
-            <a:ext cx="2515729" cy="75236"/>
-          </a:xfrm>
-          <a:prstGeom prst="straightConnector1">
-            <a:avLst/>
-          </a:prstGeom>
-          <a:ln>
-            <a:headEnd type="triangle"/>
-            <a:tailEnd type="triangle"/>
-          </a:ln>
-        </p:spPr>
-        <p:style>
-          <a:lnRef idx="2">
-            <a:schemeClr val="accent1"/>
-          </a:lnRef>
-          <a:fillRef idx="0">
-            <a:schemeClr val="accent1"/>
-          </a:fillRef>
-          <a:effectRef idx="1">
-            <a:schemeClr val="accent1"/>
-          </a:effectRef>
-          <a:fontRef idx="minor">
-            <a:schemeClr val="tx1"/>
-          </a:fontRef>
-        </p:style>
-      </p:cxnSp>
-      <p:cxnSp>
-        <p:nvCxnSpPr>
-          <p:cNvPr id="18" name="Straight Arrow Connector 17"/>
-          <p:cNvCxnSpPr>
-            <a:stCxn id="46" idx="1"/>
-            <a:endCxn id="37" idx="0"/>
-          </p:cNvCxnSpPr>
-          <p:nvPr/>
-        </p:nvCxnSpPr>
-        <p:spPr>
-          <a:xfrm flipH="1">
-            <a:off x="3449459" y="4478617"/>
-            <a:ext cx="1307207" cy="1119080"/>
-          </a:xfrm>
-          <a:prstGeom prst="straightConnector1">
-            <a:avLst/>
-          </a:prstGeom>
-          <a:ln>
-            <a:headEnd type="triangle"/>
-            <a:tailEnd type="triangle"/>
-          </a:ln>
-        </p:spPr>
-        <p:style>
-          <a:lnRef idx="2">
-            <a:schemeClr val="accent1"/>
-          </a:lnRef>
-          <a:fillRef idx="0">
-            <a:schemeClr val="accent1"/>
-          </a:fillRef>
-          <a:effectRef idx="1">
-            <a:schemeClr val="accent1"/>
-          </a:effectRef>
-          <a:fontRef idx="minor">
-            <a:schemeClr val="tx1"/>
-          </a:fontRef>
-        </p:style>
-      </p:cxnSp>
-      <p:cxnSp>
-        <p:nvCxnSpPr>
-          <p:cNvPr id="20" name="Straight Arrow Connector 19"/>
-          <p:cNvCxnSpPr>
-            <a:stCxn id="46" idx="3"/>
-            <a:endCxn id="38" idx="0"/>
-          </p:cNvCxnSpPr>
-          <p:nvPr/>
-        </p:nvCxnSpPr>
-        <p:spPr>
-          <a:xfrm>
-            <a:off x="6189783" y="4478617"/>
-            <a:ext cx="1459677" cy="834716"/>
-          </a:xfrm>
-          <a:prstGeom prst="straightConnector1">
-            <a:avLst/>
-          </a:prstGeom>
-          <a:ln>
-            <a:headEnd type="triangle"/>
-            <a:tailEnd type="triangle"/>
-          </a:ln>
-        </p:spPr>
-        <p:style>
-          <a:lnRef idx="2">
-            <a:schemeClr val="accent1"/>
-          </a:lnRef>
-          <a:fillRef idx="0">
-            <a:schemeClr val="accent1"/>
-          </a:fillRef>
-          <a:effectRef idx="1">
-            <a:schemeClr val="accent1"/>
-          </a:effectRef>
-          <a:fontRef idx="minor">
-            <a:schemeClr val="tx1"/>
-          </a:fontRef>
-        </p:style>
-      </p:cxnSp>
-      <p:cxnSp>
-        <p:nvCxnSpPr>
-          <p:cNvPr id="71" name="Straight Connector 70"/>
-          <p:cNvCxnSpPr/>
-          <p:nvPr/>
-        </p:nvCxnSpPr>
-        <p:spPr>
-          <a:xfrm>
-            <a:off x="146304" y="3157728"/>
-            <a:ext cx="8814816" cy="0"/>
-          </a:xfrm>
-          <a:prstGeom prst="line">
-            <a:avLst/>
-          </a:prstGeom>
-        </p:spPr>
-        <p:style>
-          <a:lnRef idx="2">
-            <a:schemeClr val="accent1"/>
-          </a:lnRef>
-          <a:fillRef idx="0">
-            <a:schemeClr val="accent1"/>
-          </a:fillRef>
-          <a:effectRef idx="1">
-            <a:schemeClr val="accent1"/>
-          </a:effectRef>
-          <a:fontRef idx="minor">
-            <a:schemeClr val="tx1"/>
-          </a:fontRef>
-        </p:style>
-      </p:cxnSp>
-      <p:sp>
-        <p:nvSpPr>
-          <p:cNvPr id="21" name="TextBox 20"/>
-          <p:cNvSpPr txBox="1"/>
-          <p:nvPr/>
-        </p:nvSpPr>
-        <p:spPr>
-          <a:xfrm>
-            <a:off x="316992" y="2685721"/>
-            <a:ext cx="1791037" cy="369332"/>
+            <a:off x="2441168" y="331888"/>
+            <a:ext cx="4464491" cy="830997"/>
           </a:xfrm>
           <a:prstGeom prst="rect">
             <a:avLst/>
@@ -7150,24 +4505,33 @@
           </a:bodyPr>
           <a:lstStyle/>
           <a:p>
-            <a:r>
-              <a:rPr lang="en-US" dirty="0" smtClean="0"/>
-              <a:t>Monolith</a:t>
-            </a:r>
-            <a:endParaRPr lang="en-US" dirty="0"/>
-          </a:p>
-        </p:txBody>
-      </p:sp>
-      <p:sp>
-        <p:nvSpPr>
-          <p:cNvPr id="72" name="TextBox 71"/>
+            <a:pPr algn="ctr"/>
+            <a:r>
+              <a:rPr lang="en-US" sz="2400" dirty="0" smtClean="0">
+                <a:latin typeface="Dosis Medium" charset="0"/>
+                <a:ea typeface="Dosis Medium" charset="0"/>
+                <a:cs typeface="Dosis Medium" charset="0"/>
+              </a:rPr>
+              <a:t>THE PARADOX OF DIGITAL TRANSFORMATION</a:t>
+            </a:r>
+            <a:endParaRPr lang="en-US" sz="2400" dirty="0">
+              <a:latin typeface="Dosis Medium" charset="0"/>
+              <a:ea typeface="Dosis Medium" charset="0"/>
+              <a:cs typeface="Dosis Medium" charset="0"/>
+            </a:endParaRPr>
+          </a:p>
+        </p:txBody>
+      </p:sp>
+      <p:sp>
+        <p:nvSpPr>
+          <p:cNvPr id="12" name="TextBox 11"/>
           <p:cNvSpPr txBox="1"/>
           <p:nvPr/>
         </p:nvSpPr>
         <p:spPr>
           <a:xfrm>
-            <a:off x="316992" y="3265273"/>
-            <a:ext cx="3364992" cy="369332"/>
+            <a:off x="1036320" y="1879604"/>
+            <a:ext cx="1840992" cy="369332"/>
           </a:xfrm>
           <a:prstGeom prst="rect">
             <a:avLst/>
@@ -7182,16 +4546,46 @@
           <a:p>
             <a:r>
               <a:rPr lang="en-US" dirty="0" smtClean="0"/>
-              <a:t>Microservices (Distributed)</a:t>
+              <a:t>OPPORTUNITY</a:t>
             </a:r>
             <a:endParaRPr lang="en-US" dirty="0"/>
+          </a:p>
+        </p:txBody>
+      </p:sp>
+      <p:sp>
+        <p:nvSpPr>
+          <p:cNvPr id="13" name="TextBox 12"/>
+          <p:cNvSpPr txBox="1"/>
+          <p:nvPr/>
+        </p:nvSpPr>
+        <p:spPr>
+          <a:xfrm>
+            <a:off x="1456944" y="4782090"/>
+            <a:ext cx="1840992" cy="369332"/>
+          </a:xfrm>
+          <a:prstGeom prst="rect">
+            <a:avLst/>
+          </a:prstGeom>
+          <a:noFill/>
+        </p:spPr>
+        <p:txBody>
+          <a:bodyPr wrap="square" rtlCol="0">
+            <a:spAutoFit/>
+          </a:bodyPr>
+          <a:lstStyle/>
+          <a:p>
+            <a:r>
+              <a:rPr lang="en-US" smtClean="0"/>
+              <a:t>COST</a:t>
+            </a:r>
+            <a:endParaRPr lang="en-US"/>
           </a:p>
         </p:txBody>
       </p:sp>
     </p:spTree>
     <p:extLst>
       <p:ext uri="{BB962C8B-B14F-4D97-AF65-F5344CB8AC3E}">
-        <p14:creationId xmlns:p14="http://schemas.microsoft.com/office/powerpoint/2010/main" val="719522589"/>
+        <p14:creationId xmlns:p14="http://schemas.microsoft.com/office/powerpoint/2010/main" val="2019774996"/>
       </p:ext>
     </p:extLst>
   </p:cSld>
@@ -7232,7 +4626,7 @@
                                           </p:stCondLst>
                                         </p:cTn>
                                         <p:tgtEl>
-                                          <p:spTgt spid="30"/>
+                                          <p:spTgt spid="4"/>
                                         </p:tgtEl>
                                         <p:attrNameLst>
                                           <p:attrName>style.visibility</p:attrName>
@@ -7277,7 +4671,7 @@
                                           </p:stCondLst>
                                         </p:cTn>
                                         <p:tgtEl>
-                                          <p:spTgt spid="37"/>
+                                          <p:spTgt spid="7"/>
                                         </p:tgtEl>
                                         <p:attrNameLst>
                                           <p:attrName>style.visibility</p:attrName>
@@ -7322,7 +4716,7 @@
                                           </p:stCondLst>
                                         </p:cTn>
                                         <p:tgtEl>
-                                          <p:spTgt spid="38"/>
+                                          <p:spTgt spid="8"/>
                                         </p:tgtEl>
                                         <p:attrNameLst>
                                           <p:attrName>style.visibility</p:attrName>
@@ -7367,592 +4761,7 @@
                                           </p:stCondLst>
                                         </p:cTn>
                                         <p:tgtEl>
-                                          <p:spTgt spid="46"/>
-                                        </p:tgtEl>
-                                        <p:attrNameLst>
-                                          <p:attrName>style.visibility</p:attrName>
-                                        </p:attrNameLst>
-                                      </p:cBhvr>
-                                      <p:to>
-                                        <p:strVal val="visible"/>
-                                      </p:to>
-                                    </p:set>
-                                  </p:childTnLst>
-                                </p:cTn>
-                              </p:par>
-                            </p:childTnLst>
-                          </p:cTn>
-                        </p:par>
-                      </p:childTnLst>
-                    </p:cTn>
-                  </p:par>
-                  <p:par>
-                    <p:cTn id="19" fill="hold">
-                      <p:stCondLst>
-                        <p:cond delay="indefinite"/>
-                      </p:stCondLst>
-                      <p:childTnLst>
-                        <p:par>
-                          <p:cTn id="20" fill="hold">
-                            <p:stCondLst>
-                              <p:cond delay="0"/>
-                            </p:stCondLst>
-                            <p:childTnLst>
-                              <p:par>
-                                <p:cTn id="21" presetID="1" presetClass="entr" presetSubtype="0" fill="hold" grpId="0" nodeType="clickEffect">
-                                  <p:stCondLst>
-                                    <p:cond delay="0"/>
-                                  </p:stCondLst>
-                                  <p:childTnLst>
-                                    <p:set>
-                                      <p:cBhvr>
-                                        <p:cTn id="22" dur="1" fill="hold">
-                                          <p:stCondLst>
-                                            <p:cond delay="0"/>
-                                          </p:stCondLst>
-                                        </p:cTn>
-                                        <p:tgtEl>
-                                          <p:spTgt spid="48"/>
-                                        </p:tgtEl>
-                                        <p:attrNameLst>
-                                          <p:attrName>style.visibility</p:attrName>
-                                        </p:attrNameLst>
-                                      </p:cBhvr>
-                                      <p:to>
-                                        <p:strVal val="visible"/>
-                                      </p:to>
-                                    </p:set>
-                                  </p:childTnLst>
-                                </p:cTn>
-                              </p:par>
-                            </p:childTnLst>
-                          </p:cTn>
-                        </p:par>
-                      </p:childTnLst>
-                    </p:cTn>
-                  </p:par>
-                  <p:par>
-                    <p:cTn id="23" fill="hold">
-                      <p:stCondLst>
-                        <p:cond delay="indefinite"/>
-                      </p:stCondLst>
-                      <p:childTnLst>
-                        <p:par>
-                          <p:cTn id="24" fill="hold">
-                            <p:stCondLst>
-                              <p:cond delay="0"/>
-                            </p:stCondLst>
-                            <p:childTnLst>
-                              <p:par>
-                                <p:cTn id="25" presetID="1" presetClass="entr" presetSubtype="0" fill="hold" grpId="0" nodeType="clickEffect">
-                                  <p:stCondLst>
-                                    <p:cond delay="0"/>
-                                  </p:stCondLst>
-                                  <p:childTnLst>
-                                    <p:set>
-                                      <p:cBhvr>
-                                        <p:cTn id="26" dur="1" fill="hold">
-                                          <p:stCondLst>
-                                            <p:cond delay="0"/>
-                                          </p:stCondLst>
-                                        </p:cTn>
-                                        <p:tgtEl>
-                                          <p:spTgt spid="34"/>
-                                        </p:tgtEl>
-                                        <p:attrNameLst>
-                                          <p:attrName>style.visibility</p:attrName>
-                                        </p:attrNameLst>
-                                      </p:cBhvr>
-                                      <p:to>
-                                        <p:strVal val="visible"/>
-                                      </p:to>
-                                    </p:set>
-                                  </p:childTnLst>
-                                </p:cTn>
-                              </p:par>
-                            </p:childTnLst>
-                          </p:cTn>
-                        </p:par>
-                      </p:childTnLst>
-                    </p:cTn>
-                  </p:par>
-                  <p:par>
-                    <p:cTn id="27" fill="hold">
-                      <p:stCondLst>
-                        <p:cond delay="indefinite"/>
-                      </p:stCondLst>
-                      <p:childTnLst>
-                        <p:par>
-                          <p:cTn id="28" fill="hold">
-                            <p:stCondLst>
-                              <p:cond delay="0"/>
-                            </p:stCondLst>
-                            <p:childTnLst>
-                              <p:par>
-                                <p:cTn id="29" presetID="1" presetClass="entr" presetSubtype="0" fill="hold" grpId="0" nodeType="clickEffect">
-                                  <p:stCondLst>
-                                    <p:cond delay="0"/>
-                                  </p:stCondLst>
-                                  <p:childTnLst>
-                                    <p:set>
-                                      <p:cBhvr>
-                                        <p:cTn id="30" dur="1" fill="hold">
-                                          <p:stCondLst>
-                                            <p:cond delay="0"/>
-                                          </p:stCondLst>
-                                        </p:cTn>
-                                        <p:tgtEl>
-                                          <p:spTgt spid="41"/>
-                                        </p:tgtEl>
-                                        <p:attrNameLst>
-                                          <p:attrName>style.visibility</p:attrName>
-                                        </p:attrNameLst>
-                                      </p:cBhvr>
-                                      <p:to>
-                                        <p:strVal val="visible"/>
-                                      </p:to>
-                                    </p:set>
-                                  </p:childTnLst>
-                                </p:cTn>
-                              </p:par>
-                            </p:childTnLst>
-                          </p:cTn>
-                        </p:par>
-                      </p:childTnLst>
-                    </p:cTn>
-                  </p:par>
-                  <p:par>
-                    <p:cTn id="31" fill="hold">
-                      <p:stCondLst>
-                        <p:cond delay="indefinite"/>
-                      </p:stCondLst>
-                      <p:childTnLst>
-                        <p:par>
-                          <p:cTn id="32" fill="hold">
-                            <p:stCondLst>
-                              <p:cond delay="0"/>
-                            </p:stCondLst>
-                            <p:childTnLst>
-                              <p:par>
-                                <p:cTn id="33" presetID="1" presetClass="entr" presetSubtype="0" fill="hold" grpId="0" nodeType="clickEffect">
-                                  <p:stCondLst>
-                                    <p:cond delay="0"/>
-                                  </p:stCondLst>
-                                  <p:childTnLst>
-                                    <p:set>
-                                      <p:cBhvr>
-                                        <p:cTn id="34" dur="1" fill="hold">
-                                          <p:stCondLst>
-                                            <p:cond delay="0"/>
-                                          </p:stCondLst>
-                                        </p:cTn>
-                                        <p:tgtEl>
-                                          <p:spTgt spid="42"/>
-                                        </p:tgtEl>
-                                        <p:attrNameLst>
-                                          <p:attrName>style.visibility</p:attrName>
-                                        </p:attrNameLst>
-                                      </p:cBhvr>
-                                      <p:to>
-                                        <p:strVal val="visible"/>
-                                      </p:to>
-                                    </p:set>
-                                  </p:childTnLst>
-                                </p:cTn>
-                              </p:par>
-                            </p:childTnLst>
-                          </p:cTn>
-                        </p:par>
-                      </p:childTnLst>
-                    </p:cTn>
-                  </p:par>
-                  <p:par>
-                    <p:cTn id="35" fill="hold">
-                      <p:stCondLst>
-                        <p:cond delay="indefinite"/>
-                      </p:stCondLst>
-                      <p:childTnLst>
-                        <p:par>
-                          <p:cTn id="36" fill="hold">
-                            <p:stCondLst>
-                              <p:cond delay="0"/>
-                            </p:stCondLst>
-                            <p:childTnLst>
-                              <p:par>
-                                <p:cTn id="37" presetID="1" presetClass="entr" presetSubtype="0" fill="hold" grpId="0" nodeType="clickEffect">
-                                  <p:stCondLst>
-                                    <p:cond delay="0"/>
-                                  </p:stCondLst>
-                                  <p:childTnLst>
-                                    <p:set>
-                                      <p:cBhvr>
-                                        <p:cTn id="38" dur="1" fill="hold">
-                                          <p:stCondLst>
-                                            <p:cond delay="0"/>
-                                          </p:stCondLst>
-                                        </p:cTn>
-                                        <p:tgtEl>
-                                          <p:spTgt spid="43"/>
-                                        </p:tgtEl>
-                                        <p:attrNameLst>
-                                          <p:attrName>style.visibility</p:attrName>
-                                        </p:attrNameLst>
-                                      </p:cBhvr>
-                                      <p:to>
-                                        <p:strVal val="visible"/>
-                                      </p:to>
-                                    </p:set>
-                                  </p:childTnLst>
-                                </p:cTn>
-                              </p:par>
-                            </p:childTnLst>
-                          </p:cTn>
-                        </p:par>
-                      </p:childTnLst>
-                    </p:cTn>
-                  </p:par>
-                  <p:par>
-                    <p:cTn id="39" fill="hold">
-                      <p:stCondLst>
-                        <p:cond delay="indefinite"/>
-                      </p:stCondLst>
-                      <p:childTnLst>
-                        <p:par>
-                          <p:cTn id="40" fill="hold">
-                            <p:stCondLst>
-                              <p:cond delay="0"/>
-                            </p:stCondLst>
-                            <p:childTnLst>
-                              <p:par>
-                                <p:cTn id="41" presetID="1" presetClass="entr" presetSubtype="0" fill="hold" grpId="0" nodeType="clickEffect">
-                                  <p:stCondLst>
-                                    <p:cond delay="0"/>
-                                  </p:stCondLst>
-                                  <p:childTnLst>
-                                    <p:set>
-                                      <p:cBhvr>
-                                        <p:cTn id="42" dur="1" fill="hold">
-                                          <p:stCondLst>
-                                            <p:cond delay="0"/>
-                                          </p:stCondLst>
-                                        </p:cTn>
-                                        <p:tgtEl>
-                                          <p:spTgt spid="63"/>
-                                        </p:tgtEl>
-                                        <p:attrNameLst>
-                                          <p:attrName>style.visibility</p:attrName>
-                                        </p:attrNameLst>
-                                      </p:cBhvr>
-                                      <p:to>
-                                        <p:strVal val="visible"/>
-                                      </p:to>
-                                    </p:set>
-                                  </p:childTnLst>
-                                </p:cTn>
-                              </p:par>
-                            </p:childTnLst>
-                          </p:cTn>
-                        </p:par>
-                      </p:childTnLst>
-                    </p:cTn>
-                  </p:par>
-                  <p:par>
-                    <p:cTn id="43" fill="hold">
-                      <p:stCondLst>
-                        <p:cond delay="indefinite"/>
-                      </p:stCondLst>
-                      <p:childTnLst>
-                        <p:par>
-                          <p:cTn id="44" fill="hold">
-                            <p:stCondLst>
-                              <p:cond delay="0"/>
-                            </p:stCondLst>
-                            <p:childTnLst>
-                              <p:par>
-                                <p:cTn id="45" presetID="1" presetClass="entr" presetSubtype="0" fill="hold" grpId="0" nodeType="clickEffect">
-                                  <p:stCondLst>
-                                    <p:cond delay="0"/>
-                                  </p:stCondLst>
-                                  <p:childTnLst>
-                                    <p:set>
-                                      <p:cBhvr>
-                                        <p:cTn id="46" dur="1" fill="hold">
-                                          <p:stCondLst>
-                                            <p:cond delay="0"/>
-                                          </p:stCondLst>
-                                        </p:cTn>
-                                        <p:tgtEl>
-                                          <p:spTgt spid="64"/>
-                                        </p:tgtEl>
-                                        <p:attrNameLst>
-                                          <p:attrName>style.visibility</p:attrName>
-                                        </p:attrNameLst>
-                                      </p:cBhvr>
-                                      <p:to>
-                                        <p:strVal val="visible"/>
-                                      </p:to>
-                                    </p:set>
-                                  </p:childTnLst>
-                                </p:cTn>
-                              </p:par>
-                            </p:childTnLst>
-                          </p:cTn>
-                        </p:par>
-                      </p:childTnLst>
-                    </p:cTn>
-                  </p:par>
-                  <p:par>
-                    <p:cTn id="47" fill="hold">
-                      <p:stCondLst>
-                        <p:cond delay="indefinite"/>
-                      </p:stCondLst>
-                      <p:childTnLst>
-                        <p:par>
-                          <p:cTn id="48" fill="hold">
-                            <p:stCondLst>
-                              <p:cond delay="0"/>
-                            </p:stCondLst>
-                            <p:childTnLst>
-                              <p:par>
-                                <p:cTn id="49" presetID="1" presetClass="entr" presetSubtype="0" fill="hold" grpId="0" nodeType="clickEffect">
-                                  <p:stCondLst>
-                                    <p:cond delay="0"/>
-                                  </p:stCondLst>
-                                  <p:childTnLst>
-                                    <p:set>
-                                      <p:cBhvr>
-                                        <p:cTn id="50" dur="1" fill="hold">
-                                          <p:stCondLst>
-                                            <p:cond delay="0"/>
-                                          </p:stCondLst>
-                                        </p:cTn>
-                                        <p:tgtEl>
-                                          <p:spTgt spid="65"/>
-                                        </p:tgtEl>
-                                        <p:attrNameLst>
-                                          <p:attrName>style.visibility</p:attrName>
-                                        </p:attrNameLst>
-                                      </p:cBhvr>
-                                      <p:to>
-                                        <p:strVal val="visible"/>
-                                      </p:to>
-                                    </p:set>
-                                  </p:childTnLst>
-                                </p:cTn>
-                              </p:par>
-                            </p:childTnLst>
-                          </p:cTn>
-                        </p:par>
-                      </p:childTnLst>
-                    </p:cTn>
-                  </p:par>
-                  <p:par>
-                    <p:cTn id="51" fill="hold">
-                      <p:stCondLst>
-                        <p:cond delay="indefinite"/>
-                      </p:stCondLst>
-                      <p:childTnLst>
-                        <p:par>
-                          <p:cTn id="52" fill="hold">
-                            <p:stCondLst>
-                              <p:cond delay="0"/>
-                            </p:stCondLst>
-                            <p:childTnLst>
-                              <p:par>
-                                <p:cTn id="53" presetID="1" presetClass="entr" presetSubtype="0" fill="hold" grpId="0" nodeType="clickEffect">
-                                  <p:stCondLst>
-                                    <p:cond delay="0"/>
-                                  </p:stCondLst>
-                                  <p:childTnLst>
-                                    <p:set>
-                                      <p:cBhvr>
-                                        <p:cTn id="54" dur="1" fill="hold">
-                                          <p:stCondLst>
-                                            <p:cond delay="0"/>
-                                          </p:stCondLst>
-                                        </p:cTn>
-                                        <p:tgtEl>
-                                          <p:spTgt spid="66"/>
-                                        </p:tgtEl>
-                                        <p:attrNameLst>
-                                          <p:attrName>style.visibility</p:attrName>
-                                        </p:attrNameLst>
-                                      </p:cBhvr>
-                                      <p:to>
-                                        <p:strVal val="visible"/>
-                                      </p:to>
-                                    </p:set>
-                                  </p:childTnLst>
-                                </p:cTn>
-                              </p:par>
-                            </p:childTnLst>
-                          </p:cTn>
-                        </p:par>
-                      </p:childTnLst>
-                    </p:cTn>
-                  </p:par>
-                  <p:par>
-                    <p:cTn id="55" fill="hold">
-                      <p:stCondLst>
-                        <p:cond delay="indefinite"/>
-                      </p:stCondLst>
-                      <p:childTnLst>
-                        <p:par>
-                          <p:cTn id="56" fill="hold">
-                            <p:stCondLst>
-                              <p:cond delay="0"/>
-                            </p:stCondLst>
-                            <p:childTnLst>
-                              <p:par>
-                                <p:cTn id="57" presetID="1" presetClass="entr" presetSubtype="0" fill="hold" grpId="0" nodeType="clickEffect">
-                                  <p:stCondLst>
-                                    <p:cond delay="0"/>
-                                  </p:stCondLst>
-                                  <p:childTnLst>
-                                    <p:set>
-                                      <p:cBhvr>
-                                        <p:cTn id="58" dur="1" fill="hold">
-                                          <p:stCondLst>
-                                            <p:cond delay="0"/>
-                                          </p:stCondLst>
-                                        </p:cTn>
-                                        <p:tgtEl>
-                                          <p:spTgt spid="67"/>
-                                        </p:tgtEl>
-                                        <p:attrNameLst>
-                                          <p:attrName>style.visibility</p:attrName>
-                                        </p:attrNameLst>
-                                      </p:cBhvr>
-                                      <p:to>
-                                        <p:strVal val="visible"/>
-                                      </p:to>
-                                    </p:set>
-                                  </p:childTnLst>
-                                </p:cTn>
-                              </p:par>
-                            </p:childTnLst>
-                          </p:cTn>
-                        </p:par>
-                      </p:childTnLst>
-                    </p:cTn>
-                  </p:par>
-                  <p:par>
-                    <p:cTn id="59" fill="hold">
-                      <p:stCondLst>
-                        <p:cond delay="indefinite"/>
-                      </p:stCondLst>
-                      <p:childTnLst>
-                        <p:par>
-                          <p:cTn id="60" fill="hold">
-                            <p:stCondLst>
-                              <p:cond delay="0"/>
-                            </p:stCondLst>
-                            <p:childTnLst>
-                              <p:par>
-                                <p:cTn id="61" presetID="1" presetClass="entr" presetSubtype="0" fill="hold" grpId="0" nodeType="clickEffect">
-                                  <p:stCondLst>
-                                    <p:cond delay="0"/>
-                                  </p:stCondLst>
-                                  <p:childTnLst>
-                                    <p:set>
-                                      <p:cBhvr>
-                                        <p:cTn id="62" dur="1" fill="hold">
-                                          <p:stCondLst>
-                                            <p:cond delay="0"/>
-                                          </p:stCondLst>
-                                        </p:cTn>
-                                        <p:tgtEl>
-                                          <p:spTgt spid="68"/>
-                                        </p:tgtEl>
-                                        <p:attrNameLst>
-                                          <p:attrName>style.visibility</p:attrName>
-                                        </p:attrNameLst>
-                                      </p:cBhvr>
-                                      <p:to>
-                                        <p:strVal val="visible"/>
-                                      </p:to>
-                                    </p:set>
-                                  </p:childTnLst>
-                                </p:cTn>
-                              </p:par>
-                            </p:childTnLst>
-                          </p:cTn>
-                        </p:par>
-                      </p:childTnLst>
-                    </p:cTn>
-                  </p:par>
-                  <p:par>
-                    <p:cTn id="63" fill="hold">
-                      <p:stCondLst>
-                        <p:cond delay="indefinite"/>
-                      </p:stCondLst>
-                      <p:childTnLst>
-                        <p:par>
-                          <p:cTn id="64" fill="hold">
-                            <p:stCondLst>
-                              <p:cond delay="0"/>
-                            </p:stCondLst>
-                            <p:childTnLst>
-                              <p:par>
-                                <p:cTn id="65" presetID="1" presetClass="entr" presetSubtype="0" fill="hold" grpId="0" nodeType="clickEffect">
-                                  <p:stCondLst>
-                                    <p:cond delay="0"/>
-                                  </p:stCondLst>
-                                  <p:childTnLst>
-                                    <p:set>
-                                      <p:cBhvr>
-                                        <p:cTn id="66" dur="1" fill="hold">
-                                          <p:stCondLst>
-                                            <p:cond delay="0"/>
-                                          </p:stCondLst>
-                                        </p:cTn>
-                                        <p:tgtEl>
-                                          <p:spTgt spid="69"/>
-                                        </p:tgtEl>
-                                        <p:attrNameLst>
-                                          <p:attrName>style.visibility</p:attrName>
-                                        </p:attrNameLst>
-                                      </p:cBhvr>
-                                      <p:to>
-                                        <p:strVal val="visible"/>
-                                      </p:to>
-                                    </p:set>
-                                  </p:childTnLst>
-                                </p:cTn>
-                              </p:par>
-                            </p:childTnLst>
-                          </p:cTn>
-                        </p:par>
-                      </p:childTnLst>
-                    </p:cTn>
-                  </p:par>
-                  <p:par>
-                    <p:cTn id="67" fill="hold">
-                      <p:stCondLst>
-                        <p:cond delay="indefinite"/>
-                      </p:stCondLst>
-                      <p:childTnLst>
-                        <p:par>
-                          <p:cTn id="68" fill="hold">
-                            <p:stCondLst>
-                              <p:cond delay="0"/>
-                            </p:stCondLst>
-                            <p:childTnLst>
-                              <p:par>
-                                <p:cTn id="69" presetID="1" presetClass="entr" presetSubtype="0" fill="hold" grpId="0" nodeType="clickEffect">
-                                  <p:stCondLst>
-                                    <p:cond delay="0"/>
-                                  </p:stCondLst>
-                                  <p:childTnLst>
-                                    <p:set>
-                                      <p:cBhvr>
-                                        <p:cTn id="70" dur="1" fill="hold">
-                                          <p:stCondLst>
-                                            <p:cond delay="0"/>
-                                          </p:stCondLst>
-                                        </p:cTn>
-                                        <p:tgtEl>
-                                          <p:spTgt spid="70"/>
+                                          <p:spTgt spid="10"/>
                                         </p:tgtEl>
                                         <p:attrNameLst>
                                           <p:attrName>style.visibility</p:attrName>
@@ -7993,599 +4802,10 @@
       </p:par>
     </p:tnLst>
     <p:bldLst>
-      <p:bldP spid="30" grpId="0" animBg="1"/>
-      <p:bldP spid="37" grpId="0" animBg="1"/>
-      <p:bldP spid="38" grpId="0" animBg="1"/>
-      <p:bldP spid="46" grpId="0" animBg="1"/>
-      <p:bldP spid="48" grpId="0" animBg="1"/>
-      <p:bldP spid="34" grpId="0" animBg="1"/>
-      <p:bldP spid="41" grpId="0" animBg="1"/>
-      <p:bldP spid="42" grpId="0" animBg="1"/>
-      <p:bldP spid="43" grpId="0" animBg="1"/>
-      <p:bldP spid="63" grpId="0" animBg="1"/>
-      <p:bldP spid="64" grpId="0" animBg="1"/>
-      <p:bldP spid="65" grpId="0" animBg="1"/>
-      <p:bldP spid="66" grpId="0" animBg="1"/>
-      <p:bldP spid="67" grpId="0" animBg="1"/>
-      <p:bldP spid="68" grpId="0" animBg="1"/>
-      <p:bldP spid="69" grpId="0" animBg="1"/>
-      <p:bldP spid="70" grpId="0" animBg="1"/>
-    </p:bldLst>
-  </p:timing>
-</p:sld>
-</file>
-
-<file path=ppt/slides/slide3.xml><?xml version="1.0" encoding="utf-8"?>
-<p:sld xmlns:a="http://schemas.openxmlformats.org/drawingml/2006/main" xmlns:r="http://schemas.openxmlformats.org/officeDocument/2006/relationships" xmlns:p="http://schemas.openxmlformats.org/presentationml/2006/main">
-  <p:cSld>
-    <p:spTree>
-      <p:nvGrpSpPr>
-        <p:cNvPr id="1" name=""/>
-        <p:cNvGrpSpPr/>
-        <p:nvPr/>
-      </p:nvGrpSpPr>
-      <p:grpSpPr>
-        <a:xfrm>
-          <a:off x="0" y="0"/>
-          <a:ext cx="0" cy="0"/>
-          <a:chOff x="0" y="0"/>
-          <a:chExt cx="0" cy="0"/>
-        </a:xfrm>
-      </p:grpSpPr>
-      <p:pic>
-        <p:nvPicPr>
-          <p:cNvPr id="3" name="Picture 2"/>
-          <p:cNvPicPr>
-            <a:picLocks noChangeAspect="1"/>
-          </p:cNvPicPr>
-          <p:nvPr/>
-        </p:nvPicPr>
-        <p:blipFill>
-          <a:blip r:embed="rId2">
-            <a:alphaModFix amt="33000"/>
-          </a:blip>
-          <a:stretch>
-            <a:fillRect/>
-          </a:stretch>
-        </p:blipFill>
-        <p:spPr>
-          <a:xfrm>
-            <a:off x="837182" y="371538"/>
-            <a:ext cx="7518400" cy="5956300"/>
-          </a:xfrm>
-          <a:prstGeom prst="rect">
-            <a:avLst/>
-          </a:prstGeom>
-        </p:spPr>
-      </p:pic>
-      <p:sp>
-        <p:nvSpPr>
-          <p:cNvPr id="57" name="TextBox 56"/>
-          <p:cNvSpPr txBox="1"/>
-          <p:nvPr/>
-        </p:nvSpPr>
-        <p:spPr>
-          <a:xfrm>
-            <a:off x="1459326" y="1367496"/>
-            <a:ext cx="1957260" cy="369332"/>
-          </a:xfrm>
-          <a:prstGeom prst="rect">
-            <a:avLst/>
-          </a:prstGeom>
-          <a:noFill/>
-        </p:spPr>
-        <p:txBody>
-          <a:bodyPr wrap="square" rtlCol="0">
-            <a:spAutoFit/>
-          </a:bodyPr>
-          <a:lstStyle/>
-          <a:p>
-            <a:r>
-              <a:rPr lang="en-US" dirty="0" smtClean="0"/>
-              <a:t>Costs </a:t>
-            </a:r>
-            <a:endParaRPr lang="en-US" dirty="0"/>
-          </a:p>
-        </p:txBody>
-      </p:sp>
-      <p:sp>
-        <p:nvSpPr>
-          <p:cNvPr id="58" name="TextBox 57"/>
-          <p:cNvSpPr txBox="1"/>
-          <p:nvPr/>
-        </p:nvSpPr>
-        <p:spPr>
-          <a:xfrm>
-            <a:off x="6337362" y="1367496"/>
-            <a:ext cx="1957260" cy="369332"/>
-          </a:xfrm>
-          <a:prstGeom prst="rect">
-            <a:avLst/>
-          </a:prstGeom>
-          <a:noFill/>
-        </p:spPr>
-        <p:txBody>
-          <a:bodyPr wrap="square" rtlCol="0">
-            <a:spAutoFit/>
-          </a:bodyPr>
-          <a:lstStyle/>
-          <a:p>
-            <a:r>
-              <a:rPr lang="en-US" dirty="0" smtClean="0"/>
-              <a:t>Benefits </a:t>
-            </a:r>
-            <a:endParaRPr lang="en-US" dirty="0"/>
-          </a:p>
-        </p:txBody>
-      </p:sp>
-      <p:sp>
-        <p:nvSpPr>
-          <p:cNvPr id="30" name="Rectangle 29"/>
-          <p:cNvSpPr/>
-          <p:nvPr/>
-        </p:nvSpPr>
-        <p:spPr>
-          <a:xfrm>
-            <a:off x="4925564" y="3511296"/>
-            <a:ext cx="3791716" cy="2912114"/>
-          </a:xfrm>
-          <a:prstGeom prst="rect">
-            <a:avLst/>
-          </a:prstGeom>
-          <a:solidFill>
-            <a:schemeClr val="tx2">
-              <a:lumMod val="40000"/>
-              <a:lumOff val="60000"/>
-            </a:schemeClr>
-          </a:solidFill>
-          <a:ln>
-            <a:noFill/>
-          </a:ln>
-          <a:effectLst/>
-        </p:spPr>
-        <p:style>
-          <a:lnRef idx="3">
-            <a:schemeClr val="lt1"/>
-          </a:lnRef>
-          <a:fillRef idx="1">
-            <a:schemeClr val="accent3"/>
-          </a:fillRef>
-          <a:effectRef idx="1">
-            <a:schemeClr val="accent3"/>
-          </a:effectRef>
-          <a:fontRef idx="minor">
-            <a:schemeClr val="lt1"/>
-          </a:fontRef>
-        </p:style>
-        <p:txBody>
-          <a:bodyPr lIns="360000" tIns="360000" rIns="360000" bIns="360000" rtlCol="0" anchor="ctr"/>
-          <a:lstStyle/>
-          <a:p>
-            <a:pPr marL="342900" indent="-342900">
-              <a:lnSpc>
-                <a:spcPct val="150000"/>
-              </a:lnSpc>
-              <a:buFont typeface="Arial" charset="0"/>
-              <a:buChar char="•"/>
-            </a:pPr>
-            <a:r>
-              <a:rPr lang="en-US" sz="1600" dirty="0">
-                <a:solidFill>
-                  <a:schemeClr val="bg1"/>
-                </a:solidFill>
-              </a:rPr>
-              <a:t>Improved </a:t>
-            </a:r>
-            <a:r>
-              <a:rPr lang="en-US" sz="1600" dirty="0" smtClean="0">
-                <a:solidFill>
-                  <a:schemeClr val="bg1"/>
-                </a:solidFill>
-              </a:rPr>
-              <a:t>productivity</a:t>
-            </a:r>
-          </a:p>
-          <a:p>
-            <a:pPr marL="342900" indent="-342900">
-              <a:lnSpc>
-                <a:spcPct val="150000"/>
-              </a:lnSpc>
-              <a:buFont typeface="Arial" charset="0"/>
-              <a:buChar char="•"/>
-            </a:pPr>
-            <a:r>
-              <a:rPr lang="en-US" sz="1600" dirty="0">
-                <a:solidFill>
-                  <a:schemeClr val="bg1"/>
-                </a:solidFill>
-              </a:rPr>
-              <a:t>A convention that forces good software </a:t>
-            </a:r>
-            <a:r>
-              <a:rPr lang="en-US" sz="1600" dirty="0" smtClean="0">
-                <a:solidFill>
-                  <a:schemeClr val="bg1"/>
-                </a:solidFill>
-              </a:rPr>
-              <a:t>design</a:t>
-            </a:r>
-          </a:p>
-          <a:p>
-            <a:pPr marL="342900" indent="-342900">
-              <a:lnSpc>
-                <a:spcPct val="150000"/>
-              </a:lnSpc>
-              <a:buFont typeface="Arial" charset="0"/>
-              <a:buChar char="•"/>
-            </a:pPr>
-            <a:r>
-              <a:rPr lang="en-US" sz="1600" dirty="0">
-                <a:solidFill>
-                  <a:schemeClr val="bg1"/>
-                </a:solidFill>
-              </a:rPr>
-              <a:t>Encapsulation of </a:t>
-            </a:r>
-            <a:r>
-              <a:rPr lang="en-US" sz="1600" dirty="0" smtClean="0">
-                <a:solidFill>
-                  <a:schemeClr val="bg1"/>
-                </a:solidFill>
-              </a:rPr>
-              <a:t>knowledge</a:t>
-            </a:r>
-          </a:p>
-          <a:p>
-            <a:pPr marL="342900" indent="-342900">
-              <a:lnSpc>
-                <a:spcPct val="150000"/>
-              </a:lnSpc>
-              <a:buFont typeface="Arial" charset="0"/>
-              <a:buChar char="•"/>
-            </a:pPr>
-            <a:r>
-              <a:rPr lang="en-US" sz="1600" dirty="0">
-                <a:solidFill>
-                  <a:schemeClr val="bg1"/>
-                </a:solidFill>
-              </a:rPr>
-              <a:t>Flexible span of technologies and scalability</a:t>
-            </a:r>
-            <a:endParaRPr lang="en-US" sz="1600" dirty="0">
-              <a:solidFill>
-                <a:schemeClr val="bg1"/>
-              </a:solidFill>
-            </a:endParaRPr>
-          </a:p>
-        </p:txBody>
-      </p:sp>
-      <p:sp>
-        <p:nvSpPr>
-          <p:cNvPr id="31" name="Rectangle 30"/>
-          <p:cNvSpPr/>
-          <p:nvPr/>
-        </p:nvSpPr>
-        <p:spPr>
-          <a:xfrm>
-            <a:off x="367963" y="3511296"/>
-            <a:ext cx="3986784" cy="2912114"/>
-          </a:xfrm>
-          <a:prstGeom prst="rect">
-            <a:avLst/>
-          </a:prstGeom>
-          <a:solidFill>
-            <a:schemeClr val="tx2">
-              <a:lumMod val="40000"/>
-              <a:lumOff val="60000"/>
-            </a:schemeClr>
-          </a:solidFill>
-          <a:ln>
-            <a:noFill/>
-          </a:ln>
-          <a:effectLst/>
-        </p:spPr>
-        <p:style>
-          <a:lnRef idx="3">
-            <a:schemeClr val="lt1"/>
-          </a:lnRef>
-          <a:fillRef idx="1">
-            <a:schemeClr val="accent3"/>
-          </a:fillRef>
-          <a:effectRef idx="1">
-            <a:schemeClr val="accent3"/>
-          </a:effectRef>
-          <a:fontRef idx="minor">
-            <a:schemeClr val="lt1"/>
-          </a:fontRef>
-        </p:style>
-        <p:txBody>
-          <a:bodyPr lIns="360000" tIns="360000" rIns="360000" bIns="360000" rtlCol="0" anchor="ctr"/>
-          <a:lstStyle/>
-          <a:p>
-            <a:pPr marL="342900" indent="-342900">
-              <a:lnSpc>
-                <a:spcPct val="150000"/>
-              </a:lnSpc>
-              <a:buSzPct val="119000"/>
-              <a:buFont typeface="Arial" charset="0"/>
-              <a:buChar char="•"/>
-            </a:pPr>
-            <a:r>
-              <a:rPr lang="en-US" sz="1600" dirty="0">
-                <a:solidFill>
-                  <a:schemeClr val="bg1"/>
-                </a:solidFill>
-              </a:rPr>
-              <a:t>More dependencies and </a:t>
-            </a:r>
-            <a:r>
-              <a:rPr lang="en-US" sz="1600" dirty="0" smtClean="0">
-                <a:solidFill>
-                  <a:schemeClr val="bg1"/>
-                </a:solidFill>
-              </a:rPr>
-              <a:t>complexities</a:t>
-            </a:r>
-          </a:p>
-          <a:p>
-            <a:pPr marL="342900" indent="-342900">
-              <a:lnSpc>
-                <a:spcPct val="150000"/>
-              </a:lnSpc>
-              <a:buSzPct val="119000"/>
-              <a:buFont typeface="Arial" charset="0"/>
-              <a:buChar char="•"/>
-            </a:pPr>
-            <a:r>
-              <a:rPr lang="en-US" sz="1600" dirty="0">
-                <a:solidFill>
-                  <a:schemeClr val="bg1"/>
-                </a:solidFill>
-              </a:rPr>
-              <a:t>Performance </a:t>
-            </a:r>
-            <a:r>
-              <a:rPr lang="en-US" sz="1600" dirty="0" smtClean="0">
-                <a:solidFill>
-                  <a:schemeClr val="bg1"/>
-                </a:solidFill>
-              </a:rPr>
-              <a:t>issues</a:t>
-            </a:r>
-          </a:p>
-          <a:p>
-            <a:pPr marL="342900" indent="-342900">
-              <a:lnSpc>
-                <a:spcPct val="150000"/>
-              </a:lnSpc>
-              <a:buSzPct val="119000"/>
-              <a:buFont typeface="Arial" charset="0"/>
-              <a:buChar char="•"/>
-            </a:pPr>
-            <a:r>
-              <a:rPr lang="en-US" sz="1600" dirty="0">
-                <a:solidFill>
-                  <a:schemeClr val="bg1"/>
-                </a:solidFill>
-              </a:rPr>
-              <a:t>More complex and costly </a:t>
-            </a:r>
-            <a:r>
-              <a:rPr lang="en-US" sz="1600" dirty="0" smtClean="0">
-                <a:solidFill>
-                  <a:schemeClr val="bg1"/>
-                </a:solidFill>
-              </a:rPr>
-              <a:t>deployments</a:t>
-            </a:r>
-          </a:p>
-          <a:p>
-            <a:pPr marL="342900" indent="-342900">
-              <a:lnSpc>
-                <a:spcPct val="150000"/>
-              </a:lnSpc>
-              <a:buSzPct val="119000"/>
-              <a:buFont typeface="Arial" charset="0"/>
-              <a:buChar char="•"/>
-            </a:pPr>
-            <a:r>
-              <a:rPr lang="en-US" sz="1600" dirty="0" smtClean="0">
-                <a:solidFill>
-                  <a:schemeClr val="bg1"/>
-                </a:solidFill>
-              </a:rPr>
-              <a:t>End to end testing </a:t>
-            </a:r>
-            <a:r>
-              <a:rPr lang="en-US" sz="1600" dirty="0">
-                <a:solidFill>
-                  <a:schemeClr val="bg1"/>
-                </a:solidFill>
-              </a:rPr>
-              <a:t>is more difficult</a:t>
-            </a:r>
-            <a:endParaRPr lang="en-US" sz="1600" dirty="0">
-              <a:solidFill>
-                <a:schemeClr val="bg1"/>
-              </a:solidFill>
-            </a:endParaRPr>
-          </a:p>
-        </p:txBody>
-      </p:sp>
-      <p:sp>
-        <p:nvSpPr>
-          <p:cNvPr id="4" name="Rectangle 3"/>
-          <p:cNvSpPr/>
-          <p:nvPr/>
-        </p:nvSpPr>
-        <p:spPr>
-          <a:xfrm>
-            <a:off x="2335558" y="371538"/>
-            <a:ext cx="4399731" cy="400110"/>
-          </a:xfrm>
-          <a:prstGeom prst="rect">
-            <a:avLst/>
-          </a:prstGeom>
-        </p:spPr>
-        <p:txBody>
-          <a:bodyPr wrap="none">
-            <a:spAutoFit/>
-          </a:bodyPr>
-          <a:lstStyle/>
-          <a:p>
-            <a:pPr algn="ctr"/>
-            <a:r>
-              <a:rPr lang="en-US" sz="2000" b="1" dirty="0">
-                <a:solidFill>
-                  <a:schemeClr val="bg1">
-                    <a:lumMod val="50000"/>
-                  </a:schemeClr>
-                </a:solidFill>
-              </a:rPr>
-              <a:t>The Costs and Benefits of Microservices</a:t>
-            </a:r>
-            <a:endParaRPr lang="en-US" sz="2000" b="1" dirty="0">
-              <a:solidFill>
-                <a:schemeClr val="bg1">
-                  <a:lumMod val="50000"/>
-                </a:schemeClr>
-              </a:solidFill>
-            </a:endParaRPr>
-          </a:p>
-        </p:txBody>
-      </p:sp>
-    </p:spTree>
-    <p:extLst>
-      <p:ext uri="{BB962C8B-B14F-4D97-AF65-F5344CB8AC3E}">
-        <p14:creationId xmlns:p14="http://schemas.microsoft.com/office/powerpoint/2010/main" val="1202861220"/>
-      </p:ext>
-    </p:extLst>
-  </p:cSld>
-  <p:clrMapOvr>
-    <a:masterClrMapping/>
-  </p:clrMapOvr>
-  <p:timing>
-    <p:tnLst>
-      <p:par>
-        <p:cTn id="1" dur="indefinite" restart="never" nodeType="tmRoot">
-          <p:childTnLst>
-            <p:seq concurrent="1" nextAc="seek">
-              <p:cTn id="2" dur="indefinite" nodeType="mainSeq">
-                <p:childTnLst>
-                  <p:par>
-                    <p:cTn id="3" fill="hold">
-                      <p:stCondLst>
-                        <p:cond delay="indefinite"/>
-                      </p:stCondLst>
-                      <p:childTnLst>
-                        <p:par>
-                          <p:cTn id="4" fill="hold">
-                            <p:stCondLst>
-                              <p:cond delay="0"/>
-                            </p:stCondLst>
-                            <p:childTnLst>
-                              <p:par>
-                                <p:cTn id="5" presetID="1" presetClass="entr" presetSubtype="0" fill="hold" grpId="0" nodeType="clickEffect">
-                                  <p:stCondLst>
-                                    <p:cond delay="0"/>
-                                  </p:stCondLst>
-                                  <p:childTnLst>
-                                    <p:set>
-                                      <p:cBhvr>
-                                        <p:cTn id="6" dur="1" fill="hold">
-                                          <p:stCondLst>
-                                            <p:cond delay="0"/>
-                                          </p:stCondLst>
-                                        </p:cTn>
-                                        <p:tgtEl>
-                                          <p:spTgt spid="30"/>
-                                        </p:tgtEl>
-                                        <p:attrNameLst>
-                                          <p:attrName>style.visibility</p:attrName>
-                                        </p:attrNameLst>
-                                      </p:cBhvr>
-                                      <p:to>
-                                        <p:strVal val="visible"/>
-                                      </p:to>
-                                    </p:set>
-                                  </p:childTnLst>
-                                </p:cTn>
-                              </p:par>
-                            </p:childTnLst>
-                          </p:cTn>
-                        </p:par>
-                      </p:childTnLst>
-                    </p:cTn>
-                  </p:par>
-                  <p:par>
-                    <p:cTn id="7" fill="hold">
-                      <p:stCondLst>
-                        <p:cond delay="indefinite"/>
-                      </p:stCondLst>
-                      <p:childTnLst>
-                        <p:par>
-                          <p:cTn id="8" fill="hold">
-                            <p:stCondLst>
-                              <p:cond delay="0"/>
-                            </p:stCondLst>
-                            <p:childTnLst>
-                              <p:par>
-                                <p:cTn id="9" presetID="1" presetClass="entr" presetSubtype="0" fill="hold" grpId="0" nodeType="clickEffect">
-                                  <p:stCondLst>
-                                    <p:cond delay="0"/>
-                                  </p:stCondLst>
-                                  <p:childTnLst>
-                                    <p:set>
-                                      <p:cBhvr>
-                                        <p:cTn id="10" dur="1" fill="hold">
-                                          <p:stCondLst>
-                                            <p:cond delay="0"/>
-                                          </p:stCondLst>
-                                        </p:cTn>
-                                        <p:tgtEl>
-                                          <p:spTgt spid="31"/>
-                                        </p:tgtEl>
-                                        <p:attrNameLst>
-                                          <p:attrName>style.visibility</p:attrName>
-                                        </p:attrNameLst>
-                                      </p:cBhvr>
-                                      <p:to>
-                                        <p:strVal val="visible"/>
-                                      </p:to>
-                                    </p:set>
-                                  </p:childTnLst>
-                                </p:cTn>
-                              </p:par>
-                            </p:childTnLst>
-                          </p:cTn>
-                        </p:par>
-                      </p:childTnLst>
-                    </p:cTn>
-                  </p:par>
-                </p:childTnLst>
-              </p:cTn>
-              <p:prevCondLst>
-                <p:cond evt="onPrev" delay="0">
-                  <p:tgtEl>
-                    <p:sldTgt/>
-                  </p:tgtEl>
-                </p:cond>
-              </p:prevCondLst>
-              <p:nextCondLst>
-                <p:cond evt="onNext" delay="0">
-                  <p:tgtEl>
-                    <p:sldTgt/>
-                  </p:tgtEl>
-                </p:cond>
-              </p:nextCondLst>
-            </p:seq>
-          </p:childTnLst>
-        </p:cTn>
-      </p:par>
-    </p:tnLst>
-    <p:bldLst>
-      <p:bldP spid="30" grpId="0" animBg="1"/>
-      <p:bldP spid="31" grpId="0" animBg="1"/>
+      <p:bldP spid="4" grpId="0" animBg="1"/>
+      <p:bldP spid="7" grpId="0" animBg="1"/>
+      <p:bldP spid="8" grpId="0" animBg="1"/>
+      <p:bldP spid="10" grpId="0" animBg="1"/>
     </p:bldLst>
   </p:timing>
 </p:sld>

--- a/_posts/does-anyone-really-understand-digital-transformation-not-according-to-research/images/images.pptx
+++ b/_posts/does-anyone-really-understand-digital-transformation-not-according-to-research/images/images.pptx
@@ -209,7 +209,7 @@
           <a:p>
             <a:fld id="{62924530-CF84-1B40-843A-DCBB2D2C09C6}" type="datetimeFigureOut">
               <a:rPr lang="en-US" smtClean="0"/>
-              <a:t>2/6/17</a:t>
+              <a:t>3/16/17</a:t>
             </a:fld>
             <a:endParaRPr lang="en-US" dirty="0"/>
           </a:p>
@@ -658,7 +658,7 @@
           <a:p>
             <a:fld id="{32612CC4-9DB0-CC43-B1FC-8D75BA765907}" type="datetimeFigureOut">
               <a:rPr lang="en-US" smtClean="0"/>
-              <a:t>2/6/17</a:t>
+              <a:t>3/16/17</a:t>
             </a:fld>
             <a:endParaRPr lang="en-US" dirty="0"/>
           </a:p>
@@ -828,7 +828,7 @@
           <a:p>
             <a:fld id="{32612CC4-9DB0-CC43-B1FC-8D75BA765907}" type="datetimeFigureOut">
               <a:rPr lang="en-US" smtClean="0"/>
-              <a:t>2/6/17</a:t>
+              <a:t>3/16/17</a:t>
             </a:fld>
             <a:endParaRPr lang="en-US" dirty="0"/>
           </a:p>
@@ -1008,7 +1008,7 @@
           <a:p>
             <a:fld id="{32612CC4-9DB0-CC43-B1FC-8D75BA765907}" type="datetimeFigureOut">
               <a:rPr lang="en-US" smtClean="0"/>
-              <a:t>2/6/17</a:t>
+              <a:t>3/16/17</a:t>
             </a:fld>
             <a:endParaRPr lang="en-US" dirty="0"/>
           </a:p>
@@ -1178,7 +1178,7 @@
           <a:p>
             <a:fld id="{32612CC4-9DB0-CC43-B1FC-8D75BA765907}" type="datetimeFigureOut">
               <a:rPr lang="en-US" smtClean="0"/>
-              <a:t>2/6/17</a:t>
+              <a:t>3/16/17</a:t>
             </a:fld>
             <a:endParaRPr lang="en-US" dirty="0"/>
           </a:p>
@@ -1424,7 +1424,7 @@
           <a:p>
             <a:fld id="{32612CC4-9DB0-CC43-B1FC-8D75BA765907}" type="datetimeFigureOut">
               <a:rPr lang="en-US" smtClean="0"/>
-              <a:t>2/6/17</a:t>
+              <a:t>3/16/17</a:t>
             </a:fld>
             <a:endParaRPr lang="en-US" dirty="0"/>
           </a:p>
@@ -1712,7 +1712,7 @@
           <a:p>
             <a:fld id="{32612CC4-9DB0-CC43-B1FC-8D75BA765907}" type="datetimeFigureOut">
               <a:rPr lang="en-US" smtClean="0"/>
-              <a:t>2/6/17</a:t>
+              <a:t>3/16/17</a:t>
             </a:fld>
             <a:endParaRPr lang="en-US" dirty="0"/>
           </a:p>
@@ -2134,7 +2134,7 @@
           <a:p>
             <a:fld id="{32612CC4-9DB0-CC43-B1FC-8D75BA765907}" type="datetimeFigureOut">
               <a:rPr lang="en-US" smtClean="0"/>
-              <a:t>2/6/17</a:t>
+              <a:t>3/16/17</a:t>
             </a:fld>
             <a:endParaRPr lang="en-US" dirty="0"/>
           </a:p>
@@ -2252,7 +2252,7 @@
           <a:p>
             <a:fld id="{32612CC4-9DB0-CC43-B1FC-8D75BA765907}" type="datetimeFigureOut">
               <a:rPr lang="en-US" smtClean="0"/>
-              <a:t>2/6/17</a:t>
+              <a:t>3/16/17</a:t>
             </a:fld>
             <a:endParaRPr lang="en-US" dirty="0"/>
           </a:p>
@@ -2347,7 +2347,7 @@
           <a:p>
             <a:fld id="{32612CC4-9DB0-CC43-B1FC-8D75BA765907}" type="datetimeFigureOut">
               <a:rPr lang="en-US" smtClean="0"/>
-              <a:t>2/6/17</a:t>
+              <a:t>3/16/17</a:t>
             </a:fld>
             <a:endParaRPr lang="en-US" dirty="0"/>
           </a:p>
@@ -2624,7 +2624,7 @@
           <a:p>
             <a:fld id="{32612CC4-9DB0-CC43-B1FC-8D75BA765907}" type="datetimeFigureOut">
               <a:rPr lang="en-US" smtClean="0"/>
-              <a:t>2/6/17</a:t>
+              <a:t>3/16/17</a:t>
             </a:fld>
             <a:endParaRPr lang="en-US" dirty="0"/>
           </a:p>
@@ -2877,7 +2877,7 @@
           <a:p>
             <a:fld id="{32612CC4-9DB0-CC43-B1FC-8D75BA765907}" type="datetimeFigureOut">
               <a:rPr lang="en-US" smtClean="0"/>
-              <a:t>2/6/17</a:t>
+              <a:t>3/16/17</a:t>
             </a:fld>
             <a:endParaRPr lang="en-US" dirty="0"/>
           </a:p>
@@ -3090,7 +3090,7 @@
           <a:p>
             <a:fld id="{32612CC4-9DB0-CC43-B1FC-8D75BA765907}" type="datetimeFigureOut">
               <a:rPr lang="en-US" smtClean="0"/>
-              <a:t>2/6/17</a:t>
+              <a:t>3/16/17</a:t>
             </a:fld>
             <a:endParaRPr lang="en-US" dirty="0"/>
           </a:p>
@@ -3504,14 +3504,95 @@
       </p:grpSpPr>
       <p:sp>
         <p:nvSpPr>
-          <p:cNvPr id="23" name="Rectangle 22"/>
+          <p:cNvPr id="16" name="Rectangle 15"/>
           <p:cNvSpPr/>
           <p:nvPr/>
         </p:nvSpPr>
         <p:spPr>
           <a:xfrm>
-            <a:off x="1621535" y="2084832"/>
-            <a:ext cx="2499360" cy="719296"/>
+            <a:off x="1636774" y="3912432"/>
+            <a:ext cx="5396482" cy="1430022"/>
+          </a:xfrm>
+          <a:prstGeom prst="rect">
+            <a:avLst/>
+          </a:prstGeom>
+          <a:solidFill>
+            <a:srgbClr val="00B0F0"/>
+          </a:solidFill>
+          <a:ln>
+            <a:noFill/>
+          </a:ln>
+          <a:effectLst/>
+        </p:spPr>
+        <p:style>
+          <a:lnRef idx="3">
+            <a:schemeClr val="lt1"/>
+          </a:lnRef>
+          <a:fillRef idx="1">
+            <a:schemeClr val="accent3"/>
+          </a:fillRef>
+          <a:effectRef idx="1">
+            <a:schemeClr val="accent3"/>
+          </a:effectRef>
+          <a:fontRef idx="minor">
+            <a:schemeClr val="lt1"/>
+          </a:fontRef>
+        </p:style>
+        <p:txBody>
+          <a:bodyPr rtlCol="0" anchor="ctr"/>
+          <a:lstStyle/>
+          <a:p>
+            <a:pPr algn="ctr"/>
+            <a:r>
+              <a:rPr lang="en-US" dirty="0" smtClean="0">
+                <a:solidFill>
+                  <a:schemeClr val="bg1"/>
+                </a:solidFill>
+              </a:rPr>
+              <a:t>A/B</a:t>
+            </a:r>
+            <a:r>
+              <a:rPr lang="en-US" dirty="0" smtClean="0">
+                <a:solidFill>
+                  <a:schemeClr val="bg1"/>
+                </a:solidFill>
+              </a:rPr>
+              <a:t>-Type (bi-directional </a:t>
+            </a:r>
+            <a:r>
+              <a:rPr lang="en-US" dirty="0">
+                <a:solidFill>
+                  <a:schemeClr val="bg1"/>
+                </a:solidFill>
+              </a:rPr>
+              <a:t>v</a:t>
+            </a:r>
+            <a:r>
+              <a:rPr lang="en-US" dirty="0" smtClean="0">
+                <a:solidFill>
+                  <a:schemeClr val="bg1"/>
+                </a:solidFill>
+              </a:rPr>
+              <a:t>ision and data)</a:t>
+            </a:r>
+            <a:endParaRPr lang="en-US" dirty="0">
+              <a:solidFill>
+                <a:schemeClr val="bg1"/>
+              </a:solidFill>
+            </a:endParaRPr>
+          </a:p>
+        </p:txBody>
+      </p:sp>
+      <p:sp>
+        <p:nvSpPr>
+          <p:cNvPr id="25" name="Rectangle 24"/>
+          <p:cNvSpPr/>
+          <p:nvPr/>
+        </p:nvSpPr>
+        <p:spPr>
+          <a:xfrm>
+            <a:off x="4567425" y="2557081"/>
+            <a:ext cx="2465831" cy="1271623"/>
           </a:xfrm>
           <a:prstGeom prst="rect">
             <a:avLst/>
@@ -3546,12 +3627,31 @@
           <a:p>
             <a:pPr algn="ctr"/>
             <a:r>
-              <a:rPr lang="en-US" smtClean="0">
+              <a:rPr lang="en-US" dirty="0">
                 <a:solidFill>
                   <a:schemeClr val="bg1"/>
                 </a:solidFill>
               </a:rPr>
-              <a:t>Digital Competency</a:t>
+              <a:t>B</a:t>
+            </a:r>
+            <a:r>
+              <a:rPr lang="en-US" dirty="0" smtClean="0">
+                <a:solidFill>
+                  <a:schemeClr val="bg1"/>
+                </a:solidFill>
+              </a:rPr>
+              <a:t>-Type (data flows </a:t>
+            </a:r>
+          </a:p>
+          <a:p>
+            <a:pPr algn="ctr"/>
+            <a:r>
+              <a:rPr lang="en-US" dirty="0" smtClean="0">
+                <a:solidFill>
+                  <a:schemeClr val="bg1"/>
+                </a:solidFill>
+              </a:rPr>
+              <a:t>up)</a:t>
             </a:r>
             <a:endParaRPr lang="en-US" dirty="0">
               <a:solidFill>
@@ -3563,14 +3663,14 @@
       </p:sp>
       <p:sp>
         <p:nvSpPr>
-          <p:cNvPr id="14" name="Rectangle 13"/>
+          <p:cNvPr id="23" name="Rectangle 22"/>
           <p:cNvSpPr/>
           <p:nvPr/>
         </p:nvSpPr>
         <p:spPr>
           <a:xfrm>
-            <a:off x="1621535" y="4267200"/>
-            <a:ext cx="2499360" cy="719296"/>
+            <a:off x="1636774" y="2557081"/>
+            <a:ext cx="2465831" cy="1271623"/>
           </a:xfrm>
           <a:prstGeom prst="rect">
             <a:avLst/>
@@ -3610,7 +3710,7 @@
                   <a:schemeClr val="bg1"/>
                 </a:solidFill>
               </a:rPr>
-              <a:t>Digital Transformation</a:t>
+              <a:t>A-Type (vision flows down)</a:t>
             </a:r>
             <a:endParaRPr lang="en-US" dirty="0">
               <a:solidFill>
@@ -3622,244 +3722,14 @@
       </p:sp>
       <p:sp>
         <p:nvSpPr>
-          <p:cNvPr id="15" name="Rectangle 14"/>
-          <p:cNvSpPr/>
-          <p:nvPr/>
-        </p:nvSpPr>
-        <p:spPr>
-          <a:xfrm>
-            <a:off x="1621535" y="3176016"/>
-            <a:ext cx="2499360" cy="719296"/>
-          </a:xfrm>
-          <a:prstGeom prst="rect">
-            <a:avLst/>
-          </a:prstGeom>
-          <a:solidFill>
-            <a:schemeClr val="bg1">
-              <a:lumMod val="65000"/>
-            </a:schemeClr>
-          </a:solidFill>
-          <a:ln>
-            <a:noFill/>
-          </a:ln>
-          <a:effectLst/>
-        </p:spPr>
-        <p:style>
-          <a:lnRef idx="3">
-            <a:schemeClr val="lt1"/>
-          </a:lnRef>
-          <a:fillRef idx="1">
-            <a:schemeClr val="accent3"/>
-          </a:fillRef>
-          <a:effectRef idx="1">
-            <a:schemeClr val="accent3"/>
-          </a:effectRef>
-          <a:fontRef idx="minor">
-            <a:schemeClr val="lt1"/>
-          </a:fontRef>
-        </p:style>
-        <p:txBody>
-          <a:bodyPr rtlCol="0" anchor="ctr"/>
-          <a:lstStyle/>
-          <a:p>
-            <a:pPr algn="ctr"/>
-            <a:r>
-              <a:rPr lang="en-US" smtClean="0">
-                <a:solidFill>
-                  <a:schemeClr val="bg1"/>
-                </a:solidFill>
-              </a:rPr>
-              <a:t>Digital Literacy</a:t>
-            </a:r>
-            <a:endParaRPr lang="en-US" dirty="0">
-              <a:solidFill>
-                <a:schemeClr val="bg1"/>
-              </a:solidFill>
-            </a:endParaRPr>
-          </a:p>
-        </p:txBody>
-      </p:sp>
-      <p:sp>
-        <p:nvSpPr>
-          <p:cNvPr id="17" name="Rectangle 16"/>
-          <p:cNvSpPr/>
-          <p:nvPr/>
-        </p:nvSpPr>
-        <p:spPr>
-          <a:xfrm rot="10800000">
-            <a:off x="4590288" y="1353344"/>
-            <a:ext cx="2663952" cy="4486624"/>
-          </a:xfrm>
-          <a:prstGeom prst="rect">
-            <a:avLst/>
-          </a:prstGeom>
-          <a:gradFill>
-            <a:gsLst>
-              <a:gs pos="0">
-                <a:srgbClr val="7030A0"/>
-              </a:gs>
-              <a:gs pos="100000">
-                <a:srgbClr val="C00000"/>
-              </a:gs>
-            </a:gsLst>
-            <a:lin ang="5400000" scaled="1"/>
-          </a:gradFill>
-          <a:ln>
-            <a:noFill/>
-          </a:ln>
-          <a:effectLst/>
-        </p:spPr>
-        <p:style>
-          <a:lnRef idx="3">
-            <a:schemeClr val="lt1"/>
-          </a:lnRef>
-          <a:fillRef idx="1">
-            <a:schemeClr val="accent3"/>
-          </a:fillRef>
-          <a:effectRef idx="1">
-            <a:schemeClr val="accent3"/>
-          </a:effectRef>
-          <a:fontRef idx="minor">
-            <a:schemeClr val="lt1"/>
-          </a:fontRef>
-        </p:style>
-        <p:txBody>
-          <a:bodyPr rtlCol="0" anchor="ctr"/>
-          <a:lstStyle/>
-          <a:p>
-            <a:pPr algn="ctr"/>
-            <a:endParaRPr lang="en-US" dirty="0">
-              <a:solidFill>
-                <a:schemeClr val="bg1"/>
-              </a:solidFill>
-            </a:endParaRPr>
-          </a:p>
-        </p:txBody>
-      </p:sp>
-      <p:sp>
-        <p:nvSpPr>
-          <p:cNvPr id="19" name="Rectangle 18"/>
-          <p:cNvSpPr/>
-          <p:nvPr/>
-        </p:nvSpPr>
-        <p:spPr>
-          <a:xfrm>
-            <a:off x="5059680" y="1545400"/>
-            <a:ext cx="1725168" cy="466312"/>
-          </a:xfrm>
-          <a:prstGeom prst="rect">
-            <a:avLst/>
-          </a:prstGeom>
-          <a:solidFill>
-            <a:srgbClr val="00B0F0"/>
-          </a:solidFill>
-          <a:ln>
-            <a:noFill/>
-          </a:ln>
-          <a:effectLst/>
-        </p:spPr>
-        <p:style>
-          <a:lnRef idx="3">
-            <a:schemeClr val="lt1"/>
-          </a:lnRef>
-          <a:fillRef idx="1">
-            <a:schemeClr val="accent3"/>
-          </a:fillRef>
-          <a:effectRef idx="1">
-            <a:schemeClr val="accent3"/>
-          </a:effectRef>
-          <a:fontRef idx="minor">
-            <a:schemeClr val="lt1"/>
-          </a:fontRef>
-        </p:style>
-        <p:txBody>
-          <a:bodyPr rtlCol="0" anchor="ctr"/>
-          <a:lstStyle/>
-          <a:p>
-            <a:pPr algn="ctr"/>
-            <a:r>
-              <a:rPr lang="en-US" smtClean="0">
-                <a:solidFill>
-                  <a:schemeClr val="bg1"/>
-                </a:solidFill>
-              </a:rPr>
-              <a:t>COST</a:t>
-            </a:r>
-            <a:endParaRPr lang="en-US" dirty="0">
-              <a:solidFill>
-                <a:schemeClr val="bg1"/>
-              </a:solidFill>
-            </a:endParaRPr>
-          </a:p>
-        </p:txBody>
-      </p:sp>
-      <p:sp>
-        <p:nvSpPr>
-          <p:cNvPr id="20" name="Rectangle 19"/>
-          <p:cNvSpPr/>
-          <p:nvPr/>
-        </p:nvSpPr>
-        <p:spPr>
-          <a:xfrm>
-            <a:off x="5059680" y="4998688"/>
-            <a:ext cx="1725168" cy="466312"/>
-          </a:xfrm>
-          <a:prstGeom prst="rect">
-            <a:avLst/>
-          </a:prstGeom>
-          <a:solidFill>
-            <a:srgbClr val="00B0F0"/>
-          </a:solidFill>
-          <a:ln>
-            <a:noFill/>
-          </a:ln>
-          <a:effectLst/>
-        </p:spPr>
-        <p:style>
-          <a:lnRef idx="3">
-            <a:schemeClr val="lt1"/>
-          </a:lnRef>
-          <a:fillRef idx="1">
-            <a:schemeClr val="accent3"/>
-          </a:fillRef>
-          <a:effectRef idx="1">
-            <a:schemeClr val="accent3"/>
-          </a:effectRef>
-          <a:fontRef idx="minor">
-            <a:schemeClr val="lt1"/>
-          </a:fontRef>
-        </p:style>
-        <p:txBody>
-          <a:bodyPr rtlCol="0" anchor="ctr"/>
-          <a:lstStyle/>
-          <a:p>
-            <a:pPr algn="ctr"/>
-            <a:r>
-              <a:rPr lang="en-US" dirty="0" smtClean="0">
-                <a:solidFill>
-                  <a:schemeClr val="bg1"/>
-                </a:solidFill>
-              </a:rPr>
-              <a:t>OPPORTUNITY</a:t>
-            </a:r>
-            <a:endParaRPr lang="en-US" dirty="0">
-              <a:solidFill>
-                <a:schemeClr val="bg1"/>
-              </a:solidFill>
-            </a:endParaRPr>
-          </a:p>
-        </p:txBody>
-      </p:sp>
-      <p:sp>
-        <p:nvSpPr>
           <p:cNvPr id="4" name="TextBox 3"/>
           <p:cNvSpPr txBox="1"/>
           <p:nvPr/>
         </p:nvSpPr>
         <p:spPr>
           <a:xfrm>
-            <a:off x="2359151" y="609044"/>
-            <a:ext cx="4425697" cy="369332"/>
+            <a:off x="2923028" y="1489015"/>
+            <a:ext cx="2877312" cy="830997"/>
           </a:xfrm>
           <a:prstGeom prst="rect">
             <a:avLst/>
@@ -3872,14 +3742,163 @@
           </a:bodyPr>
           <a:lstStyle/>
           <a:p>
-            <a:r>
-              <a:rPr lang="en-US" dirty="0" smtClean="0"/>
-              <a:t>THE PARADOX OF DIGITAL TRANSFORMATION</a:t>
-            </a:r>
-            <a:endParaRPr lang="en-US" dirty="0"/>
-          </a:p>
-        </p:txBody>
-      </p:sp>
+            <a:pPr algn="ctr"/>
+            <a:r>
+              <a:rPr lang="en-US" sz="2400" dirty="0" smtClean="0"/>
+              <a:t>The A+B Transformation</a:t>
+            </a:r>
+            <a:endParaRPr lang="en-US" sz="2400" dirty="0"/>
+          </a:p>
+        </p:txBody>
+      </p:sp>
+      <p:cxnSp>
+        <p:nvCxnSpPr>
+          <p:cNvPr id="3" name="Straight Arrow Connector 2"/>
+          <p:cNvCxnSpPr/>
+          <p:nvPr/>
+        </p:nvCxnSpPr>
+        <p:spPr>
+          <a:xfrm>
+            <a:off x="3944108" y="2640809"/>
+            <a:ext cx="0" cy="1104170"/>
+          </a:xfrm>
+          <a:prstGeom prst="straightConnector1">
+            <a:avLst/>
+          </a:prstGeom>
+          <a:ln w="50800">
+            <a:solidFill>
+              <a:srgbClr val="92D050"/>
+            </a:solidFill>
+            <a:tailEnd type="triangle"/>
+          </a:ln>
+          <a:effectLst/>
+        </p:spPr>
+        <p:style>
+          <a:lnRef idx="2">
+            <a:schemeClr val="accent1"/>
+          </a:lnRef>
+          <a:fillRef idx="0">
+            <a:schemeClr val="accent1"/>
+          </a:fillRef>
+          <a:effectRef idx="1">
+            <a:schemeClr val="accent1"/>
+          </a:effectRef>
+          <a:fontRef idx="minor">
+            <a:schemeClr val="tx1"/>
+          </a:fontRef>
+        </p:style>
+      </p:cxnSp>
+      <p:cxnSp>
+        <p:nvCxnSpPr>
+          <p:cNvPr id="11" name="Straight Arrow Connector 10"/>
+          <p:cNvCxnSpPr/>
+          <p:nvPr/>
+        </p:nvCxnSpPr>
+        <p:spPr>
+          <a:xfrm>
+            <a:off x="6611110" y="4169664"/>
+            <a:ext cx="9141" cy="1009285"/>
+          </a:xfrm>
+          <a:prstGeom prst="straightConnector1">
+            <a:avLst/>
+          </a:prstGeom>
+          <a:ln w="50800">
+            <a:solidFill>
+              <a:srgbClr val="92D050"/>
+            </a:solidFill>
+            <a:tailEnd type="triangle"/>
+          </a:ln>
+          <a:effectLst/>
+        </p:spPr>
+        <p:style>
+          <a:lnRef idx="2">
+            <a:schemeClr val="accent1"/>
+          </a:lnRef>
+          <a:fillRef idx="0">
+            <a:schemeClr val="accent1"/>
+          </a:fillRef>
+          <a:effectRef idx="1">
+            <a:schemeClr val="accent1"/>
+          </a:effectRef>
+          <a:fontRef idx="minor">
+            <a:schemeClr val="tx1"/>
+          </a:fontRef>
+        </p:style>
+      </p:cxnSp>
+      <p:cxnSp>
+        <p:nvCxnSpPr>
+          <p:cNvPr id="24" name="Straight Arrow Connector 23"/>
+          <p:cNvCxnSpPr/>
+          <p:nvPr/>
+        </p:nvCxnSpPr>
+        <p:spPr>
+          <a:xfrm flipH="1" flipV="1">
+            <a:off x="6888476" y="2640809"/>
+            <a:ext cx="9146" cy="1104170"/>
+          </a:xfrm>
+          <a:prstGeom prst="straightConnector1">
+            <a:avLst/>
+          </a:prstGeom>
+          <a:ln w="50800">
+            <a:solidFill>
+              <a:srgbClr val="92D050"/>
+            </a:solidFill>
+            <a:tailEnd type="triangle"/>
+          </a:ln>
+          <a:effectLst/>
+        </p:spPr>
+        <p:style>
+          <a:lnRef idx="2">
+            <a:schemeClr val="accent1"/>
+          </a:lnRef>
+          <a:fillRef idx="0">
+            <a:schemeClr val="accent1"/>
+          </a:fillRef>
+          <a:effectRef idx="1">
+            <a:schemeClr val="accent1"/>
+          </a:effectRef>
+          <a:fontRef idx="minor">
+            <a:schemeClr val="tx1"/>
+          </a:fontRef>
+        </p:style>
+      </p:cxnSp>
+      <p:cxnSp>
+        <p:nvCxnSpPr>
+          <p:cNvPr id="31" name="Straight Arrow Connector 30"/>
+          <p:cNvCxnSpPr/>
+          <p:nvPr/>
+        </p:nvCxnSpPr>
+        <p:spPr>
+          <a:xfrm flipV="1">
+            <a:off x="6822180" y="4122801"/>
+            <a:ext cx="4573" cy="1031764"/>
+          </a:xfrm>
+          <a:prstGeom prst="straightConnector1">
+            <a:avLst/>
+          </a:prstGeom>
+          <a:ln w="50800">
+            <a:solidFill>
+              <a:srgbClr val="92D050"/>
+            </a:solidFill>
+            <a:tailEnd type="triangle"/>
+          </a:ln>
+          <a:effectLst/>
+        </p:spPr>
+        <p:style>
+          <a:lnRef idx="2">
+            <a:schemeClr val="accent1"/>
+          </a:lnRef>
+          <a:fillRef idx="0">
+            <a:schemeClr val="accent1"/>
+          </a:fillRef>
+          <a:effectRef idx="1">
+            <a:schemeClr val="accent1"/>
+          </a:effectRef>
+          <a:fontRef idx="minor">
+            <a:schemeClr val="tx1"/>
+          </a:fontRef>
+        </p:style>
+      </p:cxnSp>
     </p:spTree>
     <p:extLst>
       <p:ext uri="{BB962C8B-B14F-4D97-AF65-F5344CB8AC3E}">
@@ -3969,7 +3988,7 @@
                                           </p:stCondLst>
                                         </p:cTn>
                                         <p:tgtEl>
-                                          <p:spTgt spid="14"/>
+                                          <p:spTgt spid="16"/>
                                         </p:tgtEl>
                                         <p:attrNameLst>
                                           <p:attrName>style.visibility</p:attrName>
@@ -4014,142 +4033,7 @@
                                           </p:stCondLst>
                                         </p:cTn>
                                         <p:tgtEl>
-                                          <p:spTgt spid="15"/>
-                                        </p:tgtEl>
-                                        <p:attrNameLst>
-                                          <p:attrName>style.visibility</p:attrName>
-                                        </p:attrNameLst>
-                                      </p:cBhvr>
-                                      <p:to>
-                                        <p:strVal val="visible"/>
-                                      </p:to>
-                                    </p:set>
-                                  </p:childTnLst>
-                                </p:cTn>
-                              </p:par>
-                            </p:childTnLst>
-                          </p:cTn>
-                        </p:par>
-                      </p:childTnLst>
-                    </p:cTn>
-                  </p:par>
-                  <p:par>
-                    <p:cTn id="15" fill="hold">
-                      <p:stCondLst>
-                        <p:cond delay="indefinite"/>
-                      </p:stCondLst>
-                      <p:childTnLst>
-                        <p:par>
-                          <p:cTn id="16" fill="hold">
-                            <p:stCondLst>
-                              <p:cond delay="0"/>
-                            </p:stCondLst>
-                            <p:childTnLst>
-                              <p:par>
-                                <p:cTn id="17" presetID="1" presetClass="entr" presetSubtype="0" fill="hold" grpId="0" nodeType="clickEffect">
-                                  <p:stCondLst>
-                                    <p:cond delay="0"/>
-                                  </p:stCondLst>
-                                  <p:childTnLst>
-                                    <p:set>
-                                      <p:cBhvr>
-                                        <p:cTn id="18" dur="1" fill="hold">
-                                          <p:stCondLst>
-                                            <p:cond delay="0"/>
-                                          </p:stCondLst>
-                                        </p:cTn>
-                                        <p:tgtEl>
-                                          <p:spTgt spid="17"/>
-                                        </p:tgtEl>
-                                        <p:attrNameLst>
-                                          <p:attrName>style.visibility</p:attrName>
-                                        </p:attrNameLst>
-                                      </p:cBhvr>
-                                      <p:to>
-                                        <p:strVal val="visible"/>
-                                      </p:to>
-                                    </p:set>
-                                  </p:childTnLst>
-                                </p:cTn>
-                              </p:par>
-                            </p:childTnLst>
-                          </p:cTn>
-                        </p:par>
-                      </p:childTnLst>
-                    </p:cTn>
-                  </p:par>
-                  <p:par>
-                    <p:cTn id="19" fill="hold">
-                      <p:stCondLst>
-                        <p:cond delay="indefinite"/>
-                      </p:stCondLst>
-                      <p:childTnLst>
-                        <p:par>
-                          <p:cTn id="20" fill="hold">
-                            <p:stCondLst>
-                              <p:cond delay="0"/>
-                            </p:stCondLst>
-                            <p:childTnLst>
-                              <p:par>
-                                <p:cTn id="21" presetID="1" presetClass="entr" presetSubtype="0" fill="hold" grpId="0" nodeType="clickEffect">
-                                  <p:stCondLst>
-                                    <p:cond delay="0"/>
-                                  </p:stCondLst>
-                                  <p:childTnLst>
-                                    <p:set>
-                                      <p:cBhvr>
-                                        <p:cTn id="22" dur="1" fill="hold">
-                                          <p:stCondLst>
-                                            <p:cond delay="0"/>
-                                          </p:stCondLst>
-                                        </p:cTn>
-                                        <p:tgtEl>
-                                          <p:spTgt spid="19"/>
-                                        </p:tgtEl>
-                                        <p:attrNameLst>
-                                          <p:attrName>style.visibility</p:attrName>
-                                        </p:attrNameLst>
-                                      </p:cBhvr>
-                                      <p:to>
-                                        <p:strVal val="visible"/>
-                                      </p:to>
-                                    </p:set>
-                                  </p:childTnLst>
-                                </p:cTn>
-                              </p:par>
-                            </p:childTnLst>
-                          </p:cTn>
-                        </p:par>
-                      </p:childTnLst>
-                    </p:cTn>
-                  </p:par>
-                  <p:par>
-                    <p:cTn id="23" fill="hold">
-                      <p:stCondLst>
-                        <p:cond delay="indefinite"/>
-                      </p:stCondLst>
-                      <p:childTnLst>
-                        <p:par>
-                          <p:cTn id="24" fill="hold">
-                            <p:stCondLst>
-                              <p:cond delay="0"/>
-                            </p:stCondLst>
-                            <p:childTnLst>
-                              <p:par>
-                                <p:cTn id="25" presetID="1" presetClass="entr" presetSubtype="0" fill="hold" grpId="0" nodeType="clickEffect">
-                                  <p:stCondLst>
-                                    <p:cond delay="0"/>
-                                  </p:stCondLst>
-                                  <p:childTnLst>
-                                    <p:set>
-                                      <p:cBhvr>
-                                        <p:cTn id="26" dur="1" fill="hold">
-                                          <p:stCondLst>
-                                            <p:cond delay="0"/>
-                                          </p:stCondLst>
-                                        </p:cTn>
-                                        <p:tgtEl>
-                                          <p:spTgt spid="20"/>
+                                          <p:spTgt spid="25"/>
                                         </p:tgtEl>
                                         <p:attrNameLst>
                                           <p:attrName>style.visibility</p:attrName>
@@ -4190,12 +4074,9 @@
       </p:par>
     </p:tnLst>
     <p:bldLst>
+      <p:bldP spid="16" grpId="0" animBg="1"/>
+      <p:bldP spid="25" grpId="0" animBg="1"/>
       <p:bldP spid="23" grpId="0" animBg="1"/>
-      <p:bldP spid="14" grpId="0" animBg="1"/>
-      <p:bldP spid="15" grpId="0" animBg="1"/>
-      <p:bldP spid="17" grpId="0" animBg="1"/>
-      <p:bldP spid="19" grpId="0" animBg="1"/>
-      <p:bldP spid="20" grpId="0" animBg="1"/>
     </p:bldLst>
   </p:timing>
 </p:sld>
